--- a/Nb3SnMeeting.pptx
+++ b/Nb3SnMeeting.pptx
@@ -6,18 +6,19 @@
     <p:sldMasterId id="2147483674" r:id="rId2"/>
   </p:sldMasterIdLst>
   <p:notesMasterIdLst>
-    <p:notesMasterId r:id="rId9"/>
+    <p:notesMasterId r:id="rId10"/>
   </p:notesMasterIdLst>
   <p:sldIdLst>
     <p:sldId id="256" r:id="rId3"/>
     <p:sldId id="276" r:id="rId4"/>
-    <p:sldId id="280" r:id="rId5"/>
-    <p:sldId id="281" r:id="rId6"/>
-    <p:sldId id="279" r:id="rId7"/>
-    <p:sldId id="278" r:id="rId8"/>
+    <p:sldId id="282" r:id="rId5"/>
+    <p:sldId id="280" r:id="rId6"/>
+    <p:sldId id="281" r:id="rId7"/>
+    <p:sldId id="279" r:id="rId8"/>
+    <p:sldId id="278" r:id="rId9"/>
   </p:sldIdLst>
   <p:sldSz cx="12192000" cy="6858000"/>
-  <p:notesSz cx="6858000" cy="9144000"/>
+  <p:notesSz cx="6950075" cy="9236075"/>
   <p:defaultTextStyle>
     <a:defPPr>
       <a:defRPr lang="en-US"/>
@@ -155,8 +156,8 @@
         </p:nvSpPr>
         <p:spPr>
           <a:xfrm>
-            <a:off x="216000" y="812520"/>
-            <a:ext cx="7127280" cy="4008960"/>
+            <a:off x="230188" y="820738"/>
+            <a:ext cx="7200900" cy="4049712"/>
           </a:xfrm>
           <a:prstGeom prst="rect">
             <a:avLst/>
@@ -170,7 +171,7 @@
           <a:p>
             <a:pPr algn="ctr"/>
             <a:r>
-              <a:rPr lang="en-US" sz="4400" b="0" strike="noStrike" spc="-1">
+              <a:rPr lang="en-US" sz="4500" b="0" strike="noStrike" spc="-1">
                 <a:latin typeface="Calibri"/>
               </a:rPr>
               <a:t>Click to move the slide</a:t>
@@ -190,8 +191,8 @@
         </p:nvSpPr>
         <p:spPr>
           <a:xfrm>
-            <a:off x="756000" y="5078520"/>
-            <a:ext cx="6047640" cy="4811040"/>
+            <a:off x="766150" y="5129658"/>
+            <a:ext cx="6128835" cy="4859485"/>
           </a:xfrm>
           <a:prstGeom prst="rect">
             <a:avLst/>
@@ -225,7 +226,7 @@
         <p:spPr>
           <a:xfrm>
             <a:off x="0" y="0"/>
-            <a:ext cx="3280680" cy="534240"/>
+            <a:ext cx="3324726" cy="539620"/>
           </a:xfrm>
           <a:prstGeom prst="rect">
             <a:avLst/>
@@ -258,8 +259,8 @@
         </p:nvSpPr>
         <p:spPr>
           <a:xfrm>
-            <a:off x="4278960" y="0"/>
-            <a:ext cx="3280680" cy="534240"/>
+            <a:off x="4336409" y="0"/>
+            <a:ext cx="3324726" cy="539620"/>
           </a:xfrm>
           <a:prstGeom prst="rect">
             <a:avLst/>
@@ -299,8 +300,8 @@
         </p:nvSpPr>
         <p:spPr>
           <a:xfrm>
-            <a:off x="0" y="10157400"/>
-            <a:ext cx="3280680" cy="534240"/>
+            <a:off x="0" y="10259679"/>
+            <a:ext cx="3324726" cy="539620"/>
           </a:xfrm>
           <a:prstGeom prst="rect">
             <a:avLst/>
@@ -339,8 +340,8 @@
         </p:nvSpPr>
         <p:spPr>
           <a:xfrm>
-            <a:off x="4278960" y="10157400"/>
-            <a:ext cx="3280680" cy="534240"/>
+            <a:off x="4336409" y="10259679"/>
+            <a:ext cx="3324726" cy="539620"/>
           </a:xfrm>
           <a:prstGeom prst="rect">
             <a:avLst/>
@@ -498,8 +499,8 @@
         </p:nvSpPr>
         <p:spPr>
           <a:xfrm>
-            <a:off x="381000" y="685800"/>
-            <a:ext cx="6094413" cy="3427413"/>
+            <a:off x="396875" y="692150"/>
+            <a:ext cx="6154738" cy="3462338"/>
           </a:xfrm>
           <a:prstGeom prst="rect">
             <a:avLst/>
@@ -518,8 +519,8 @@
         </p:nvSpPr>
         <p:spPr>
           <a:xfrm>
-            <a:off x="685800" y="4343400"/>
-            <a:ext cx="5484960" cy="4113360"/>
+            <a:off x="695007" y="4387136"/>
+            <a:ext cx="5558601" cy="4154779"/>
           </a:xfrm>
           <a:prstGeom prst="rect">
             <a:avLst/>
@@ -531,7 +532,7 @@
           </a:bodyPr>
           <a:lstStyle/>
           <a:p>
-            <a:endParaRPr lang="en-US" sz="2000" b="0" strike="noStrike" spc="-1">
+            <a:endParaRPr lang="en-US" sz="2000" spc="-1">
               <a:latin typeface="Calibri"/>
             </a:endParaRPr>
           </a:p>
@@ -545,8 +546,8 @@
         </p:nvSpPr>
         <p:spPr>
           <a:xfrm>
-            <a:off x="3884760" y="8685360"/>
-            <a:ext cx="2970360" cy="455760"/>
+            <a:off x="3936916" y="8772817"/>
+            <a:ext cx="3010240" cy="460349"/>
           </a:xfrm>
           <a:prstGeom prst="rect">
             <a:avLst/>
@@ -569,7 +570,7 @@
           <a:fontRef idx="minor"/>
         </p:style>
         <p:txBody>
-          <a:bodyPr lIns="90000" tIns="45000" rIns="90000" bIns="45000" numCol="1" spcCol="0" anchor="b">
+          <a:bodyPr lIns="91035" tIns="45518" rIns="91035" bIns="45518" numCol="1" spcCol="0" anchor="b">
             <a:noAutofit/>
           </a:bodyPr>
           <a:lstStyle/>
@@ -580,7 +581,7 @@
               </a:lnSpc>
             </a:pPr>
             <a:fld id="{7F2B11D1-9B4B-4F40-9C0F-5C9B81768B74}" type="slidenum">
-              <a:rPr lang="de-DE" sz="1200" b="0" strike="noStrike" spc="-1">
+              <a:rPr lang="de-DE" sz="1200" spc="-1">
                 <a:solidFill>
                   <a:srgbClr val="000000"/>
                 </a:solidFill>
@@ -588,7 +589,7 @@
               </a:rPr>
               <a:t>1</a:t>
             </a:fld>
-            <a:endParaRPr lang="en-US" sz="1200" b="0" strike="noStrike" spc="-1">
+            <a:endParaRPr lang="en-US" sz="1200" spc="-1">
               <a:latin typeface="Calibri"/>
             </a:endParaRPr>
           </a:p>
@@ -631,8 +632,8 @@
         </p:nvSpPr>
         <p:spPr>
           <a:xfrm>
-            <a:off x="217488" y="812800"/>
-            <a:ext cx="7124700" cy="4008438"/>
+            <a:off x="230188" y="820738"/>
+            <a:ext cx="7200900" cy="4049712"/>
           </a:xfrm>
         </p:spPr>
       </p:sp>
@@ -672,14 +673,10 @@
           <a:p>
             <a:pPr algn="r"/>
             <a:fld id="{5F31EB8E-2301-4DA5-A7C1-ED26BD725A15}" type="slidenum">
-              <a:rPr lang="en-US" sz="1400" b="0" strike="noStrike" spc="-1" smtClean="0">
-                <a:latin typeface="Calibri"/>
-              </a:rPr>
+              <a:rPr lang="en-US"/>
               <a:t>2</a:t>
             </a:fld>
-            <a:endParaRPr lang="en-US" sz="1400" b="0" strike="noStrike" spc="-1">
-              <a:latin typeface="Calibri"/>
-            </a:endParaRPr>
+            <a:endParaRPr lang="en-US"/>
           </a:p>
         </p:txBody>
       </p:sp>
@@ -697,6 +694,120 @@
 </file>
 
 <file path=ppt/notesSlides/notesSlide3.xml><?xml version="1.0" encoding="utf-8"?>
+<p:notes xmlns:a="http://schemas.openxmlformats.org/drawingml/2006/main" xmlns:r="http://schemas.openxmlformats.org/officeDocument/2006/relationships" xmlns:p="http://schemas.openxmlformats.org/presentationml/2006/main">
+  <p:cSld>
+    <p:spTree>
+      <p:nvGrpSpPr>
+        <p:cNvPr id="1" name="">
+          <a:extLst>
+            <a:ext uri="{FF2B5EF4-FFF2-40B4-BE49-F238E27FC236}">
+              <a16:creationId xmlns:a16="http://schemas.microsoft.com/office/drawing/2014/main" id="{E471E600-7B87-E40B-ADD3-22F8E23B7B03}"/>
+            </a:ext>
+          </a:extLst>
+        </p:cNvPr>
+        <p:cNvGrpSpPr/>
+        <p:nvPr/>
+      </p:nvGrpSpPr>
+      <p:grpSpPr>
+        <a:xfrm>
+          <a:off x="0" y="0"/>
+          <a:ext cx="0" cy="0"/>
+          <a:chOff x="0" y="0"/>
+          <a:chExt cx="0" cy="0"/>
+        </a:xfrm>
+      </p:grpSpPr>
+      <p:sp>
+        <p:nvSpPr>
+          <p:cNvPr id="2" name="Slide Image Placeholder 1">
+            <a:extLst>
+              <a:ext uri="{FF2B5EF4-FFF2-40B4-BE49-F238E27FC236}">
+                <a16:creationId xmlns:a16="http://schemas.microsoft.com/office/drawing/2014/main" id="{1174C517-524D-E4B7-8DD4-188A8B3B132A}"/>
+              </a:ext>
+            </a:extLst>
+          </p:cNvPr>
+          <p:cNvSpPr>
+            <a:spLocks noGrp="1" noRot="1" noChangeAspect="1"/>
+          </p:cNvSpPr>
+          <p:nvPr>
+            <p:ph type="sldImg"/>
+          </p:nvPr>
+        </p:nvSpPr>
+        <p:spPr>
+          <a:xfrm>
+            <a:off x="230188" y="820738"/>
+            <a:ext cx="7200900" cy="4049712"/>
+          </a:xfrm>
+        </p:spPr>
+      </p:sp>
+      <p:sp>
+        <p:nvSpPr>
+          <p:cNvPr id="3" name="Notes Placeholder 2">
+            <a:extLst>
+              <a:ext uri="{FF2B5EF4-FFF2-40B4-BE49-F238E27FC236}">
+                <a16:creationId xmlns:a16="http://schemas.microsoft.com/office/drawing/2014/main" id="{362F8AA8-07FE-A385-BD70-21556FBD6EE1}"/>
+              </a:ext>
+            </a:extLst>
+          </p:cNvPr>
+          <p:cNvSpPr>
+            <a:spLocks noGrp="1"/>
+          </p:cNvSpPr>
+          <p:nvPr>
+            <p:ph type="body" idx="1"/>
+          </p:nvPr>
+        </p:nvSpPr>
+        <p:spPr/>
+        <p:txBody>
+          <a:bodyPr/>
+          <a:lstStyle/>
+          <a:p>
+            <a:endParaRPr lang="en-US" dirty="0"/>
+          </a:p>
+        </p:txBody>
+      </p:sp>
+      <p:sp>
+        <p:nvSpPr>
+          <p:cNvPr id="4" name="Slide Number Placeholder 3">
+            <a:extLst>
+              <a:ext uri="{FF2B5EF4-FFF2-40B4-BE49-F238E27FC236}">
+                <a16:creationId xmlns:a16="http://schemas.microsoft.com/office/drawing/2014/main" id="{6FC70A68-C35B-19E1-31BA-1773593A0CB7}"/>
+              </a:ext>
+            </a:extLst>
+          </p:cNvPr>
+          <p:cNvSpPr>
+            <a:spLocks noGrp="1"/>
+          </p:cNvSpPr>
+          <p:nvPr>
+            <p:ph type="sldNum" idx="13"/>
+          </p:nvPr>
+        </p:nvSpPr>
+        <p:spPr/>
+        <p:txBody>
+          <a:bodyPr/>
+          <a:lstStyle/>
+          <a:p>
+            <a:pPr algn="r"/>
+            <a:fld id="{5F31EB8E-2301-4DA5-A7C1-ED26BD725A15}" type="slidenum">
+              <a:rPr lang="en-US"/>
+              <a:t>3</a:t>
+            </a:fld>
+            <a:endParaRPr lang="en-US"/>
+          </a:p>
+        </p:txBody>
+      </p:sp>
+    </p:spTree>
+    <p:extLst>
+      <p:ext uri="{BB962C8B-B14F-4D97-AF65-F5344CB8AC3E}">
+        <p14:creationId xmlns:p14="http://schemas.microsoft.com/office/powerpoint/2010/main" val="2881592471"/>
+      </p:ext>
+    </p:extLst>
+  </p:cSld>
+  <p:clrMapOvr>
+    <a:masterClrMapping/>
+  </p:clrMapOvr>
+</p:notes>
+</file>
+
+<file path=ppt/notesSlides/notesSlide4.xml><?xml version="1.0" encoding="utf-8"?>
 <p:notes xmlns:a="http://schemas.openxmlformats.org/drawingml/2006/main" xmlns:r="http://schemas.openxmlformats.org/officeDocument/2006/relationships" xmlns:p="http://schemas.openxmlformats.org/presentationml/2006/main">
   <p:cSld>
     <p:spTree>
@@ -737,8 +848,8 @@
         </p:nvSpPr>
         <p:spPr>
           <a:xfrm>
-            <a:off x="217488" y="812800"/>
-            <a:ext cx="7124700" cy="4008438"/>
+            <a:off x="230188" y="820738"/>
+            <a:ext cx="7200900" cy="4049712"/>
           </a:xfrm>
         </p:spPr>
       </p:sp>
@@ -790,14 +901,10 @@
           <a:p>
             <a:pPr algn="r"/>
             <a:fld id="{5F31EB8E-2301-4DA5-A7C1-ED26BD725A15}" type="slidenum">
-              <a:rPr lang="en-US" sz="1400" b="0" strike="noStrike" spc="-1" smtClean="0">
-                <a:latin typeface="Calibri"/>
-              </a:rPr>
-              <a:t>3</a:t>
+              <a:rPr lang="en-US"/>
+              <a:t>4</a:t>
             </a:fld>
-            <a:endParaRPr lang="en-US" sz="1400" b="0" strike="noStrike" spc="-1">
-              <a:latin typeface="Calibri"/>
-            </a:endParaRPr>
+            <a:endParaRPr lang="en-US"/>
           </a:p>
         </p:txBody>
       </p:sp>
@@ -814,7 +921,7 @@
 </p:notes>
 </file>
 
-<file path=ppt/notesSlides/notesSlide4.xml><?xml version="1.0" encoding="utf-8"?>
+<file path=ppt/notesSlides/notesSlide5.xml><?xml version="1.0" encoding="utf-8"?>
 <p:notes xmlns:a="http://schemas.openxmlformats.org/drawingml/2006/main" xmlns:r="http://schemas.openxmlformats.org/officeDocument/2006/relationships" xmlns:p="http://schemas.openxmlformats.org/presentationml/2006/main">
   <p:cSld>
     <p:spTree>
@@ -855,8 +962,8 @@
         </p:nvSpPr>
         <p:spPr>
           <a:xfrm>
-            <a:off x="217488" y="812800"/>
-            <a:ext cx="7124700" cy="4008438"/>
+            <a:off x="230188" y="820738"/>
+            <a:ext cx="7200900" cy="4049712"/>
           </a:xfrm>
         </p:spPr>
       </p:sp>
@@ -908,14 +1015,10 @@
           <a:p>
             <a:pPr algn="r"/>
             <a:fld id="{5F31EB8E-2301-4DA5-A7C1-ED26BD725A15}" type="slidenum">
-              <a:rPr lang="en-US" sz="1400" b="0" strike="noStrike" spc="-1" smtClean="0">
-                <a:latin typeface="Calibri"/>
-              </a:rPr>
-              <a:t>4</a:t>
+              <a:rPr lang="en-US"/>
+              <a:t>5</a:t>
             </a:fld>
-            <a:endParaRPr lang="en-US" sz="1400" b="0" strike="noStrike" spc="-1">
-              <a:latin typeface="Calibri"/>
-            </a:endParaRPr>
+            <a:endParaRPr lang="en-US"/>
           </a:p>
         </p:txBody>
       </p:sp>
@@ -932,7 +1035,7 @@
 </p:notes>
 </file>
 
-<file path=ppt/notesSlides/notesSlide5.xml><?xml version="1.0" encoding="utf-8"?>
+<file path=ppt/notesSlides/notesSlide6.xml><?xml version="1.0" encoding="utf-8"?>
 <p:notes xmlns:a="http://schemas.openxmlformats.org/drawingml/2006/main" xmlns:r="http://schemas.openxmlformats.org/officeDocument/2006/relationships" xmlns:p="http://schemas.openxmlformats.org/presentationml/2006/main">
   <p:cSld>
     <p:spTree>
@@ -973,8 +1076,8 @@
         </p:nvSpPr>
         <p:spPr>
           <a:xfrm>
-            <a:off x="217488" y="812800"/>
-            <a:ext cx="7124700" cy="4008438"/>
+            <a:off x="230188" y="820738"/>
+            <a:ext cx="7200900" cy="4049712"/>
           </a:xfrm>
         </p:spPr>
       </p:sp>
@@ -1026,14 +1129,10 @@
           <a:p>
             <a:pPr algn="r"/>
             <a:fld id="{5F31EB8E-2301-4DA5-A7C1-ED26BD725A15}" type="slidenum">
-              <a:rPr lang="en-US" sz="1400" b="0" strike="noStrike" spc="-1" smtClean="0">
-                <a:latin typeface="Calibri"/>
-              </a:rPr>
-              <a:t>5</a:t>
+              <a:rPr lang="en-US"/>
+              <a:t>6</a:t>
             </a:fld>
-            <a:endParaRPr lang="en-US" sz="1400" b="0" strike="noStrike" spc="-1">
-              <a:latin typeface="Calibri"/>
-            </a:endParaRPr>
+            <a:endParaRPr lang="en-US"/>
           </a:p>
         </p:txBody>
       </p:sp>
@@ -1050,7 +1149,7 @@
 </p:notes>
 </file>
 
-<file path=ppt/notesSlides/notesSlide6.xml><?xml version="1.0" encoding="utf-8"?>
+<file path=ppt/notesSlides/notesSlide7.xml><?xml version="1.0" encoding="utf-8"?>
 <p:notes xmlns:a="http://schemas.openxmlformats.org/drawingml/2006/main" xmlns:r="http://schemas.openxmlformats.org/officeDocument/2006/relationships" xmlns:p="http://schemas.openxmlformats.org/presentationml/2006/main">
   <p:cSld>
     <p:spTree>
@@ -1079,8 +1178,8 @@
         </p:nvSpPr>
         <p:spPr>
           <a:xfrm>
-            <a:off x="217488" y="812800"/>
-            <a:ext cx="7124700" cy="4008438"/>
+            <a:off x="230188" y="820738"/>
+            <a:ext cx="7200900" cy="4049712"/>
           </a:xfrm>
         </p:spPr>
       </p:sp>
@@ -1120,14 +1219,10 @@
           <a:p>
             <a:pPr algn="r"/>
             <a:fld id="{5F31EB8E-2301-4DA5-A7C1-ED26BD725A15}" type="slidenum">
-              <a:rPr lang="en-US" sz="1400" b="0" strike="noStrike" spc="-1" smtClean="0">
-                <a:latin typeface="Calibri"/>
-              </a:rPr>
-              <a:t>6</a:t>
+              <a:rPr lang="en-US"/>
+              <a:t>7</a:t>
             </a:fld>
-            <a:endParaRPr lang="en-US" sz="1400" b="0" strike="noStrike" spc="-1">
-              <a:latin typeface="Calibri"/>
-            </a:endParaRPr>
+            <a:endParaRPr lang="en-US"/>
           </a:p>
         </p:txBody>
       </p:sp>
@@ -1187,13 +1282,13 @@
   <p:clrMapOvr>
     <a:masterClrMapping/>
   </p:clrMapOvr>
-  <mc:AlternateContent xmlns:mc="http://schemas.openxmlformats.org/markup-compatibility/2006">
-    <mc:Choice xmlns:p14="http://schemas.microsoft.com/office/powerpoint/2010/main" Requires="p14">
+  <mc:AlternateContent xmlns:mc="http://schemas.openxmlformats.org/markup-compatibility/2006" xmlns:p14="http://schemas.microsoft.com/office/powerpoint/2010/main">
+    <mc:Choice Requires="p14">
       <p:transition spd="med" p14:dur="700">
         <p:fade/>
       </p:transition>
     </mc:Choice>
-    <mc:Fallback>
+    <mc:Fallback xmlns="">
       <p:transition spd="med">
         <p:fade/>
       </p:transition>
@@ -1339,13 +1434,13 @@
   <p:clrMapOvr>
     <a:masterClrMapping/>
   </p:clrMapOvr>
-  <mc:AlternateContent xmlns:mc="http://schemas.openxmlformats.org/markup-compatibility/2006">
-    <mc:Choice xmlns:p14="http://schemas.microsoft.com/office/powerpoint/2010/main" Requires="p14">
+  <mc:AlternateContent xmlns:mc="http://schemas.openxmlformats.org/markup-compatibility/2006" xmlns:p14="http://schemas.microsoft.com/office/powerpoint/2010/main">
+    <mc:Choice Requires="p14">
       <p:transition spd="med" p14:dur="700">
         <p:fade/>
       </p:transition>
     </mc:Choice>
-    <mc:Fallback>
+    <mc:Fallback xmlns="">
       <p:transition spd="med">
         <p:fade/>
       </p:transition>
@@ -1553,13 +1648,13 @@
   <p:clrMapOvr>
     <a:masterClrMapping/>
   </p:clrMapOvr>
-  <mc:AlternateContent xmlns:mc="http://schemas.openxmlformats.org/markup-compatibility/2006">
-    <mc:Choice xmlns:p14="http://schemas.microsoft.com/office/powerpoint/2010/main" Requires="p14">
+  <mc:AlternateContent xmlns:mc="http://schemas.openxmlformats.org/markup-compatibility/2006" xmlns:p14="http://schemas.microsoft.com/office/powerpoint/2010/main">
+    <mc:Choice Requires="p14">
       <p:transition spd="med" p14:dur="700">
         <p:fade/>
       </p:transition>
     </mc:Choice>
-    <mc:Fallback>
+    <mc:Fallback xmlns="">
       <p:transition spd="med">
         <p:fade/>
       </p:transition>
@@ -1829,13 +1924,13 @@
   <p:clrMapOvr>
     <a:masterClrMapping/>
   </p:clrMapOvr>
-  <mc:AlternateContent xmlns:mc="http://schemas.openxmlformats.org/markup-compatibility/2006">
-    <mc:Choice xmlns:p14="http://schemas.microsoft.com/office/powerpoint/2010/main" Requires="p14">
+  <mc:AlternateContent xmlns:mc="http://schemas.openxmlformats.org/markup-compatibility/2006" xmlns:p14="http://schemas.microsoft.com/office/powerpoint/2010/main">
+    <mc:Choice Requires="p14">
       <p:transition spd="med" p14:dur="700">
         <p:fade/>
       </p:transition>
     </mc:Choice>
-    <mc:Fallback>
+    <mc:Fallback xmlns="">
       <p:transition spd="med">
         <p:fade/>
       </p:transition>
@@ -1928,13 +2023,13 @@
   <p:clrMapOvr>
     <a:masterClrMapping/>
   </p:clrMapOvr>
-  <mc:AlternateContent xmlns:mc="http://schemas.openxmlformats.org/markup-compatibility/2006">
-    <mc:Choice xmlns:p14="http://schemas.microsoft.com/office/powerpoint/2010/main" Requires="p14">
+  <mc:AlternateContent xmlns:mc="http://schemas.openxmlformats.org/markup-compatibility/2006" xmlns:p14="http://schemas.microsoft.com/office/powerpoint/2010/main">
+    <mc:Choice Requires="p14">
       <p:transition spd="med" p14:dur="700">
         <p:fade/>
       </p:transition>
     </mc:Choice>
-    <mc:Fallback>
+    <mc:Fallback xmlns="">
       <p:transition spd="med">
         <p:fade/>
       </p:transition>
@@ -2091,13 +2186,13 @@
   <p:clrMapOvr>
     <a:masterClrMapping/>
   </p:clrMapOvr>
-  <mc:AlternateContent xmlns:mc="http://schemas.openxmlformats.org/markup-compatibility/2006">
-    <mc:Choice xmlns:p14="http://schemas.microsoft.com/office/powerpoint/2010/main" Requires="p14">
+  <mc:AlternateContent xmlns:mc="http://schemas.openxmlformats.org/markup-compatibility/2006" xmlns:p14="http://schemas.microsoft.com/office/powerpoint/2010/main">
+    <mc:Choice Requires="p14">
       <p:transition spd="med" p14:dur="700">
         <p:fade/>
       </p:transition>
     </mc:Choice>
-    <mc:Fallback>
+    <mc:Fallback xmlns="">
       <p:transition spd="med">
         <p:fade/>
       </p:transition>
@@ -2253,13 +2348,13 @@
   <p:clrMapOvr>
     <a:masterClrMapping/>
   </p:clrMapOvr>
-  <mc:AlternateContent xmlns:mc="http://schemas.openxmlformats.org/markup-compatibility/2006">
-    <mc:Choice xmlns:p14="http://schemas.microsoft.com/office/powerpoint/2010/main" Requires="p14">
+  <mc:AlternateContent xmlns:mc="http://schemas.openxmlformats.org/markup-compatibility/2006" xmlns:p14="http://schemas.microsoft.com/office/powerpoint/2010/main">
+    <mc:Choice Requires="p14">
       <p:transition spd="med" p14:dur="700">
         <p:fade/>
       </p:transition>
     </mc:Choice>
-    <mc:Fallback>
+    <mc:Fallback xmlns="">
       <p:transition spd="med">
         <p:fade/>
       </p:transition>
@@ -2446,13 +2541,13 @@
   <p:clrMapOvr>
     <a:masterClrMapping/>
   </p:clrMapOvr>
-  <mc:AlternateContent xmlns:mc="http://schemas.openxmlformats.org/markup-compatibility/2006">
-    <mc:Choice xmlns:p14="http://schemas.microsoft.com/office/powerpoint/2010/main" Requires="p14">
+  <mc:AlternateContent xmlns:mc="http://schemas.openxmlformats.org/markup-compatibility/2006" xmlns:p14="http://schemas.microsoft.com/office/powerpoint/2010/main">
+    <mc:Choice Requires="p14">
       <p:transition spd="med" p14:dur="700">
         <p:fade/>
       </p:transition>
     </mc:Choice>
-    <mc:Fallback>
+    <mc:Fallback xmlns="">
       <p:transition spd="med">
         <p:fade/>
       </p:transition>
@@ -2577,13 +2672,13 @@
   <p:clrMapOvr>
     <a:masterClrMapping/>
   </p:clrMapOvr>
-  <mc:AlternateContent xmlns:mc="http://schemas.openxmlformats.org/markup-compatibility/2006">
-    <mc:Choice xmlns:p14="http://schemas.microsoft.com/office/powerpoint/2010/main" Requires="p14">
+  <mc:AlternateContent xmlns:mc="http://schemas.openxmlformats.org/markup-compatibility/2006" xmlns:p14="http://schemas.microsoft.com/office/powerpoint/2010/main">
+    <mc:Choice Requires="p14">
       <p:transition spd="med" p14:dur="700">
         <p:fade/>
       </p:transition>
     </mc:Choice>
-    <mc:Fallback>
+    <mc:Fallback xmlns="">
       <p:transition spd="med">
         <p:fade/>
       </p:transition>
@@ -2708,13 +2803,13 @@
   <p:clrMapOvr>
     <a:masterClrMapping/>
   </p:clrMapOvr>
-  <mc:AlternateContent xmlns:mc="http://schemas.openxmlformats.org/markup-compatibility/2006">
-    <mc:Choice xmlns:p14="http://schemas.microsoft.com/office/powerpoint/2010/main" Requires="p14">
+  <mc:AlternateContent xmlns:mc="http://schemas.openxmlformats.org/markup-compatibility/2006" xmlns:p14="http://schemas.microsoft.com/office/powerpoint/2010/main">
+    <mc:Choice Requires="p14">
       <p:transition spd="med" p14:dur="700">
         <p:fade/>
       </p:transition>
     </mc:Choice>
-    <mc:Fallback>
+    <mc:Fallback xmlns="">
       <p:transition spd="med">
         <p:fade/>
       </p:transition>
@@ -2932,13 +3027,13 @@
   <p:clrMapOvr>
     <a:masterClrMapping/>
   </p:clrMapOvr>
-  <mc:AlternateContent xmlns:mc="http://schemas.openxmlformats.org/markup-compatibility/2006">
-    <mc:Choice xmlns:p14="http://schemas.microsoft.com/office/powerpoint/2010/main" Requires="p14">
+  <mc:AlternateContent xmlns:mc="http://schemas.openxmlformats.org/markup-compatibility/2006" xmlns:p14="http://schemas.microsoft.com/office/powerpoint/2010/main">
+    <mc:Choice Requires="p14">
       <p:transition spd="med" p14:dur="700">
         <p:fade/>
       </p:transition>
     </mc:Choice>
-    <mc:Fallback>
+    <mc:Fallback xmlns="">
       <p:transition spd="med">
         <p:fade/>
       </p:transition>
@@ -3054,13 +3149,13 @@
   <p:clrMapOvr>
     <a:masterClrMapping/>
   </p:clrMapOvr>
-  <mc:AlternateContent xmlns:mc="http://schemas.openxmlformats.org/markup-compatibility/2006">
-    <mc:Choice xmlns:p14="http://schemas.microsoft.com/office/powerpoint/2010/main" Requires="p14">
+  <mc:AlternateContent xmlns:mc="http://schemas.openxmlformats.org/markup-compatibility/2006" xmlns:p14="http://schemas.microsoft.com/office/powerpoint/2010/main">
+    <mc:Choice Requires="p14">
       <p:transition spd="med" p14:dur="700">
         <p:fade/>
       </p:transition>
     </mc:Choice>
-    <mc:Fallback>
+    <mc:Fallback xmlns="">
       <p:transition spd="med">
         <p:fade/>
       </p:transition>
@@ -3278,13 +3373,13 @@
   <p:clrMapOvr>
     <a:masterClrMapping/>
   </p:clrMapOvr>
-  <mc:AlternateContent xmlns:mc="http://schemas.openxmlformats.org/markup-compatibility/2006">
-    <mc:Choice xmlns:p14="http://schemas.microsoft.com/office/powerpoint/2010/main" Requires="p14">
+  <mc:AlternateContent xmlns:mc="http://schemas.openxmlformats.org/markup-compatibility/2006" xmlns:p14="http://schemas.microsoft.com/office/powerpoint/2010/main">
+    <mc:Choice Requires="p14">
       <p:transition spd="med" p14:dur="700">
         <p:fade/>
       </p:transition>
     </mc:Choice>
-    <mc:Fallback>
+    <mc:Fallback xmlns="">
       <p:transition spd="med">
         <p:fade/>
       </p:transition>
@@ -3502,13 +3597,13 @@
   <p:clrMapOvr>
     <a:masterClrMapping/>
   </p:clrMapOvr>
-  <mc:AlternateContent xmlns:mc="http://schemas.openxmlformats.org/markup-compatibility/2006">
-    <mc:Choice xmlns:p14="http://schemas.microsoft.com/office/powerpoint/2010/main" Requires="p14">
+  <mc:AlternateContent xmlns:mc="http://schemas.openxmlformats.org/markup-compatibility/2006" xmlns:p14="http://schemas.microsoft.com/office/powerpoint/2010/main">
+    <mc:Choice Requires="p14">
       <p:transition spd="med" p14:dur="700">
         <p:fade/>
       </p:transition>
     </mc:Choice>
-    <mc:Fallback>
+    <mc:Fallback xmlns="">
       <p:transition spd="med">
         <p:fade/>
       </p:transition>
@@ -3695,13 +3790,13 @@
   <p:clrMapOvr>
     <a:masterClrMapping/>
   </p:clrMapOvr>
-  <mc:AlternateContent xmlns:mc="http://schemas.openxmlformats.org/markup-compatibility/2006">
-    <mc:Choice xmlns:p14="http://schemas.microsoft.com/office/powerpoint/2010/main" Requires="p14">
+  <mc:AlternateContent xmlns:mc="http://schemas.openxmlformats.org/markup-compatibility/2006" xmlns:p14="http://schemas.microsoft.com/office/powerpoint/2010/main">
+    <mc:Choice Requires="p14">
       <p:transition spd="med" p14:dur="700">
         <p:fade/>
       </p:transition>
     </mc:Choice>
-    <mc:Fallback>
+    <mc:Fallback xmlns="">
       <p:transition spd="med">
         <p:fade/>
       </p:transition>
@@ -3950,13 +4045,13 @@
   <p:clrMapOvr>
     <a:masterClrMapping/>
   </p:clrMapOvr>
-  <mc:AlternateContent xmlns:mc="http://schemas.openxmlformats.org/markup-compatibility/2006">
-    <mc:Choice xmlns:p14="http://schemas.microsoft.com/office/powerpoint/2010/main" Requires="p14">
+  <mc:AlternateContent xmlns:mc="http://schemas.openxmlformats.org/markup-compatibility/2006" xmlns:p14="http://schemas.microsoft.com/office/powerpoint/2010/main">
+    <mc:Choice Requires="p14">
       <p:transition spd="med" p14:dur="700">
         <p:fade/>
       </p:transition>
     </mc:Choice>
-    <mc:Fallback>
+    <mc:Fallback xmlns="">
       <p:transition spd="med">
         <p:fade/>
       </p:transition>
@@ -4267,13 +4362,13 @@
   <p:clrMapOvr>
     <a:masterClrMapping/>
   </p:clrMapOvr>
-  <mc:AlternateContent xmlns:mc="http://schemas.openxmlformats.org/markup-compatibility/2006">
-    <mc:Choice xmlns:p14="http://schemas.microsoft.com/office/powerpoint/2010/main" Requires="p14">
+  <mc:AlternateContent xmlns:mc="http://schemas.openxmlformats.org/markup-compatibility/2006" xmlns:p14="http://schemas.microsoft.com/office/powerpoint/2010/main">
+    <mc:Choice Requires="p14">
       <p:transition spd="med" p14:dur="700">
         <p:fade/>
       </p:transition>
     </mc:Choice>
-    <mc:Fallback>
+    <mc:Fallback xmlns="">
       <p:transition spd="med">
         <p:fade/>
       </p:transition>
@@ -4388,13 +4483,13 @@
   <p:clrMapOvr>
     <a:masterClrMapping/>
   </p:clrMapOvr>
-  <mc:AlternateContent xmlns:mc="http://schemas.openxmlformats.org/markup-compatibility/2006">
-    <mc:Choice xmlns:p14="http://schemas.microsoft.com/office/powerpoint/2010/main" Requires="p14">
+  <mc:AlternateContent xmlns:mc="http://schemas.openxmlformats.org/markup-compatibility/2006" xmlns:p14="http://schemas.microsoft.com/office/powerpoint/2010/main">
+    <mc:Choice Requires="p14">
       <p:transition spd="med" p14:dur="700">
         <p:fade/>
       </p:transition>
     </mc:Choice>
-    <mc:Fallback>
+    <mc:Fallback xmlns="">
       <p:transition spd="med">
         <p:fade/>
       </p:transition>
@@ -4540,13 +4635,13 @@
   <p:clrMapOvr>
     <a:masterClrMapping/>
   </p:clrMapOvr>
-  <mc:AlternateContent xmlns:mc="http://schemas.openxmlformats.org/markup-compatibility/2006">
-    <mc:Choice xmlns:p14="http://schemas.microsoft.com/office/powerpoint/2010/main" Requires="p14">
+  <mc:AlternateContent xmlns:mc="http://schemas.openxmlformats.org/markup-compatibility/2006" xmlns:p14="http://schemas.microsoft.com/office/powerpoint/2010/main">
+    <mc:Choice Requires="p14">
       <p:transition spd="med" p14:dur="700">
         <p:fade/>
       </p:transition>
     </mc:Choice>
-    <mc:Fallback>
+    <mc:Fallback xmlns="">
       <p:transition spd="med">
         <p:fade/>
       </p:transition>
@@ -4630,13 +4725,13 @@
   <p:clrMapOvr>
     <a:masterClrMapping/>
   </p:clrMapOvr>
-  <mc:AlternateContent xmlns:mc="http://schemas.openxmlformats.org/markup-compatibility/2006">
-    <mc:Choice xmlns:p14="http://schemas.microsoft.com/office/powerpoint/2010/main" Requires="p14">
+  <mc:AlternateContent xmlns:mc="http://schemas.openxmlformats.org/markup-compatibility/2006" xmlns:p14="http://schemas.microsoft.com/office/powerpoint/2010/main">
+    <mc:Choice Requires="p14">
       <p:transition spd="med" p14:dur="700">
         <p:fade/>
       </p:transition>
     </mc:Choice>
-    <mc:Fallback>
+    <mc:Fallback xmlns="">
       <p:transition spd="med">
         <p:fade/>
       </p:transition>
@@ -4720,13 +4815,13 @@
   <p:clrMapOvr>
     <a:masterClrMapping/>
   </p:clrMapOvr>
-  <mc:AlternateContent xmlns:mc="http://schemas.openxmlformats.org/markup-compatibility/2006">
-    <mc:Choice xmlns:p14="http://schemas.microsoft.com/office/powerpoint/2010/main" Requires="p14">
+  <mc:AlternateContent xmlns:mc="http://schemas.openxmlformats.org/markup-compatibility/2006" xmlns:p14="http://schemas.microsoft.com/office/powerpoint/2010/main">
+    <mc:Choice Requires="p14">
       <p:transition spd="med" p14:dur="700">
         <p:fade/>
       </p:transition>
     </mc:Choice>
-    <mc:Fallback>
+    <mc:Fallback xmlns="">
       <p:transition spd="med">
         <p:fade/>
       </p:transition>
@@ -4903,13 +4998,13 @@
   <p:clrMapOvr>
     <a:masterClrMapping/>
   </p:clrMapOvr>
-  <mc:AlternateContent xmlns:mc="http://schemas.openxmlformats.org/markup-compatibility/2006">
-    <mc:Choice xmlns:p14="http://schemas.microsoft.com/office/powerpoint/2010/main" Requires="p14">
+  <mc:AlternateContent xmlns:mc="http://schemas.openxmlformats.org/markup-compatibility/2006" xmlns:p14="http://schemas.microsoft.com/office/powerpoint/2010/main">
+    <mc:Choice Requires="p14">
       <p:transition spd="med" p14:dur="700">
         <p:fade/>
       </p:transition>
     </mc:Choice>
-    <mc:Fallback>
+    <mc:Fallback xmlns="">
       <p:transition spd="med">
         <p:fade/>
       </p:transition>
@@ -5086,13 +5181,13 @@
   <p:clrMapOvr>
     <a:masterClrMapping/>
   </p:clrMapOvr>
-  <mc:AlternateContent xmlns:mc="http://schemas.openxmlformats.org/markup-compatibility/2006">
-    <mc:Choice xmlns:p14="http://schemas.microsoft.com/office/powerpoint/2010/main" Requires="p14">
+  <mc:AlternateContent xmlns:mc="http://schemas.openxmlformats.org/markup-compatibility/2006" xmlns:p14="http://schemas.microsoft.com/office/powerpoint/2010/main">
+    <mc:Choice Requires="p14">
       <p:transition spd="med" p14:dur="700">
         <p:fade/>
       </p:transition>
     </mc:Choice>
-    <mc:Fallback>
+    <mc:Fallback xmlns="">
       <p:transition spd="med">
         <p:fade/>
       </p:transition>
@@ -5269,13 +5364,13 @@
   <p:clrMapOvr>
     <a:masterClrMapping/>
   </p:clrMapOvr>
-  <mc:AlternateContent xmlns:mc="http://schemas.openxmlformats.org/markup-compatibility/2006">
-    <mc:Choice xmlns:p14="http://schemas.microsoft.com/office/powerpoint/2010/main" Requires="p14">
+  <mc:AlternateContent xmlns:mc="http://schemas.openxmlformats.org/markup-compatibility/2006" xmlns:p14="http://schemas.microsoft.com/office/powerpoint/2010/main">
+    <mc:Choice Requires="p14">
       <p:transition spd="med" p14:dur="700">
         <p:fade/>
       </p:transition>
     </mc:Choice>
-    <mc:Fallback>
+    <mc:Fallback xmlns="">
       <p:transition spd="med">
         <p:fade/>
       </p:transition>
@@ -5781,13 +5876,13 @@
     <p:sldLayoutId id="2147483659" r:id="rId11"/>
     <p:sldLayoutId id="2147483660" r:id="rId12"/>
   </p:sldLayoutIdLst>
-  <mc:AlternateContent xmlns:mc="http://schemas.openxmlformats.org/markup-compatibility/2006">
-    <mc:Choice xmlns:p14="http://schemas.microsoft.com/office/powerpoint/2010/main" Requires="p14">
+  <mc:AlternateContent xmlns:mc="http://schemas.openxmlformats.org/markup-compatibility/2006" xmlns:p14="http://schemas.microsoft.com/office/powerpoint/2010/main">
+    <mc:Choice Requires="p14">
       <p:transition spd="med" p14:dur="700">
         <p:fade/>
       </p:transition>
     </mc:Choice>
-    <mc:Fallback>
+    <mc:Fallback xmlns="">
       <p:transition spd="med">
         <p:fade/>
       </p:transition>
@@ -6621,13 +6716,13 @@
     <p:sldLayoutId id="2147483685" r:id="rId11"/>
     <p:sldLayoutId id="2147483686" r:id="rId12"/>
   </p:sldLayoutIdLst>
-  <mc:AlternateContent xmlns:mc="http://schemas.openxmlformats.org/markup-compatibility/2006">
-    <mc:Choice xmlns:p14="http://schemas.microsoft.com/office/powerpoint/2010/main" Requires="p14">
+  <mc:AlternateContent xmlns:mc="http://schemas.openxmlformats.org/markup-compatibility/2006" xmlns:p14="http://schemas.microsoft.com/office/powerpoint/2010/main">
+    <mc:Choice Requires="p14">
       <p:transition spd="med" p14:dur="700">
         <p:fade/>
       </p:transition>
     </mc:Choice>
-    <mc:Fallback>
+    <mc:Fallback xmlns="">
       <p:transition spd="med">
         <p:fade/>
       </p:transition>
@@ -7018,7 +7113,7 @@
                 <a:latin typeface="Times New Roman" panose="02020603050405020304" pitchFamily="18" charset="0"/>
                 <a:cs typeface="Times New Roman" panose="02020603050405020304" pitchFamily="18" charset="0"/>
               </a:rPr>
-              <a:t>Sn</a:t>
+              <a:t>Sn Thin Films</a:t>
             </a:r>
           </a:p>
         </p:txBody>
@@ -7110,13 +7205,13 @@
   <p:clrMapOvr>
     <a:masterClrMapping/>
   </p:clrMapOvr>
-  <mc:AlternateContent xmlns:mc="http://schemas.openxmlformats.org/markup-compatibility/2006">
-    <mc:Choice xmlns:p14="http://schemas.microsoft.com/office/powerpoint/2010/main" Requires="p14">
+  <mc:AlternateContent xmlns:mc="http://schemas.openxmlformats.org/markup-compatibility/2006" xmlns:p14="http://schemas.microsoft.com/office/powerpoint/2010/main">
+    <mc:Choice Requires="p14">
       <p:transition spd="med" p14:dur="700">
         <p:fade/>
       </p:transition>
     </mc:Choice>
-    <mc:Fallback>
+    <mc:Fallback xmlns="">
       <p:transition spd="med">
         <p:fade/>
       </p:transition>
@@ -7203,6 +7298,649 @@
           <a:bodyPr/>
           <a:lstStyle/>
           <a:p>
+            <a:r>
+              <a:rPr lang="en-US" dirty="0">
+                <a:latin typeface="Times New Roman" panose="02020603050405020304" pitchFamily="18" charset="0"/>
+                <a:cs typeface="Times New Roman" panose="02020603050405020304" pitchFamily="18" charset="0"/>
+              </a:rPr>
+              <a:t>T</a:t>
+            </a:r>
+            <a:r>
+              <a:rPr lang="en-US" baseline="-25000" dirty="0">
+                <a:latin typeface="Times New Roman" panose="02020603050405020304" pitchFamily="18" charset="0"/>
+                <a:cs typeface="Times New Roman" panose="02020603050405020304" pitchFamily="18" charset="0"/>
+              </a:rPr>
+              <a:t>c</a:t>
+            </a:r>
+            <a:endParaRPr lang="en-US" dirty="0">
+              <a:latin typeface="Times New Roman" panose="02020603050405020304" pitchFamily="18" charset="0"/>
+              <a:cs typeface="Times New Roman" panose="02020603050405020304" pitchFamily="18" charset="0"/>
+            </a:endParaRPr>
+          </a:p>
+        </p:txBody>
+      </p:sp>
+      <p:graphicFrame>
+        <p:nvGraphicFramePr>
+          <p:cNvPr id="3" name="Table 2">
+            <a:extLst>
+              <a:ext uri="{FF2B5EF4-FFF2-40B4-BE49-F238E27FC236}">
+                <a16:creationId xmlns:a16="http://schemas.microsoft.com/office/drawing/2014/main" id="{DB30BC32-E380-4B77-A586-0C8F1F7D3552}"/>
+              </a:ext>
+            </a:extLst>
+          </p:cNvPr>
+          <p:cNvGraphicFramePr>
+            <a:graphicFrameLocks noGrp="1"/>
+          </p:cNvGraphicFramePr>
+          <p:nvPr>
+            <p:extLst>
+              <p:ext uri="{D42A27DB-BD31-4B8C-83A1-F6EECF244321}">
+                <p14:modId xmlns:p14="http://schemas.microsoft.com/office/powerpoint/2010/main" val="449906498"/>
+              </p:ext>
+            </p:extLst>
+          </p:nvPr>
+        </p:nvGraphicFramePr>
+        <p:xfrm>
+          <a:off x="485301" y="1556244"/>
+          <a:ext cx="3882417" cy="4800276"/>
+        </p:xfrm>
+        <a:graphic>
+          <a:graphicData uri="http://schemas.openxmlformats.org/drawingml/2006/table">
+            <a:tbl>
+              <a:tblPr firstRow="1" bandRow="1">
+                <a:tableStyleId>{5940675A-B579-460E-94D1-54222C63F5DA}</a:tableStyleId>
+              </a:tblPr>
+              <a:tblGrid>
+                <a:gridCol w="1294139">
+                  <a:extLst>
+                    <a:ext uri="{9D8B030D-6E8A-4147-A177-3AD203B41FA5}">
+                      <a16:colId xmlns:a16="http://schemas.microsoft.com/office/drawing/2014/main" val="3461959653"/>
+                    </a:ext>
+                  </a:extLst>
+                </a:gridCol>
+                <a:gridCol w="1294139">
+                  <a:extLst>
+                    <a:ext uri="{9D8B030D-6E8A-4147-A177-3AD203B41FA5}">
+                      <a16:colId xmlns:a16="http://schemas.microsoft.com/office/drawing/2014/main" val="2733287"/>
+                    </a:ext>
+                  </a:extLst>
+                </a:gridCol>
+                <a:gridCol w="1294139">
+                  <a:extLst>
+                    <a:ext uri="{9D8B030D-6E8A-4147-A177-3AD203B41FA5}">
+                      <a16:colId xmlns:a16="http://schemas.microsoft.com/office/drawing/2014/main" val="787883910"/>
+                    </a:ext>
+                  </a:extLst>
+                </a:gridCol>
+              </a:tblGrid>
+              <a:tr h="800046">
+                <a:tc>
+                  <a:txBody>
+                    <a:bodyPr/>
+                    <a:lstStyle/>
+                    <a:p>
+                      <a:pPr algn="ctr"/>
+                      <a:r>
+                        <a:rPr lang="en-US" dirty="0">
+                          <a:latin typeface="Times New Roman" panose="02020603050405020304" pitchFamily="18" charset="0"/>
+                          <a:cs typeface="Times New Roman" panose="02020603050405020304" pitchFamily="18" charset="0"/>
+                        </a:rPr>
+                        <a:t>Sample</a:t>
+                      </a:r>
+                    </a:p>
+                  </a:txBody>
+                  <a:tcPr/>
+                </a:tc>
+                <a:tc>
+                  <a:txBody>
+                    <a:bodyPr/>
+                    <a:lstStyle/>
+                    <a:p>
+                      <a:pPr algn="ctr"/>
+                      <a:r>
+                        <a:rPr lang="en-US" dirty="0">
+                          <a:latin typeface="Times New Roman" panose="02020603050405020304" pitchFamily="18" charset="0"/>
+                          <a:cs typeface="Times New Roman" panose="02020603050405020304" pitchFamily="18" charset="0"/>
+                        </a:rPr>
+                        <a:t>T</a:t>
+                      </a:r>
+                      <a:r>
+                        <a:rPr lang="en-US" baseline="-25000" dirty="0">
+                          <a:latin typeface="Times New Roman" panose="02020603050405020304" pitchFamily="18" charset="0"/>
+                          <a:cs typeface="Times New Roman" panose="02020603050405020304" pitchFamily="18" charset="0"/>
+                        </a:rPr>
+                        <a:t>c</a:t>
+                      </a:r>
+                      <a:r>
+                        <a:rPr lang="en-US" baseline="0" dirty="0">
+                          <a:latin typeface="Times New Roman" panose="02020603050405020304" pitchFamily="18" charset="0"/>
+                          <a:cs typeface="Times New Roman" panose="02020603050405020304" pitchFamily="18" charset="0"/>
+                        </a:rPr>
+                        <a:t> (K)</a:t>
+                      </a:r>
+                      <a:endParaRPr lang="en-US" dirty="0">
+                        <a:latin typeface="Times New Roman" panose="02020603050405020304" pitchFamily="18" charset="0"/>
+                        <a:cs typeface="Times New Roman" panose="02020603050405020304" pitchFamily="18" charset="0"/>
+                      </a:endParaRPr>
+                    </a:p>
+                  </a:txBody>
+                  <a:tcPr/>
+                </a:tc>
+                <a:tc>
+                  <a:txBody>
+                    <a:bodyPr/>
+                    <a:lstStyle/>
+                    <a:p>
+                      <a:pPr algn="ctr"/>
+                      <a:r>
+                        <a:rPr lang="en-US" dirty="0">
+                          <a:latin typeface="Times New Roman" panose="02020603050405020304" pitchFamily="18" charset="0"/>
+                          <a:cs typeface="Times New Roman" panose="02020603050405020304" pitchFamily="18" charset="0"/>
+                        </a:rPr>
+                        <a:t>∆T</a:t>
+                      </a:r>
+                      <a:r>
+                        <a:rPr lang="en-US" baseline="-25000" dirty="0">
+                          <a:latin typeface="Times New Roman" panose="02020603050405020304" pitchFamily="18" charset="0"/>
+                          <a:cs typeface="Times New Roman" panose="02020603050405020304" pitchFamily="18" charset="0"/>
+                        </a:rPr>
+                        <a:t>c</a:t>
+                      </a:r>
+                      <a:r>
+                        <a:rPr lang="en-US" baseline="0" dirty="0">
+                          <a:latin typeface="Times New Roman" panose="02020603050405020304" pitchFamily="18" charset="0"/>
+                          <a:cs typeface="Times New Roman" panose="02020603050405020304" pitchFamily="18" charset="0"/>
+                        </a:rPr>
+                        <a:t> (K)</a:t>
+                      </a:r>
+                      <a:endParaRPr lang="en-US" dirty="0">
+                        <a:latin typeface="Times New Roman" panose="02020603050405020304" pitchFamily="18" charset="0"/>
+                        <a:cs typeface="Times New Roman" panose="02020603050405020304" pitchFamily="18" charset="0"/>
+                      </a:endParaRPr>
+                    </a:p>
+                  </a:txBody>
+                  <a:tcPr/>
+                </a:tc>
+                <a:extLst>
+                  <a:ext uri="{0D108BD9-81ED-4DB2-BD59-A6C34878D82A}">
+                    <a16:rowId xmlns:a16="http://schemas.microsoft.com/office/drawing/2014/main" val="4269902650"/>
+                  </a:ext>
+                </a:extLst>
+              </a:tr>
+              <a:tr h="800046">
+                <a:tc>
+                  <a:txBody>
+                    <a:bodyPr/>
+                    <a:lstStyle/>
+                    <a:p>
+                      <a:pPr algn="ctr"/>
+                      <a:r>
+                        <a:rPr lang="en-US" b="1" dirty="0">
+                          <a:latin typeface="Times New Roman" panose="02020603050405020304" pitchFamily="18" charset="0"/>
+                          <a:cs typeface="Times New Roman" panose="02020603050405020304" pitchFamily="18" charset="0"/>
+                        </a:rPr>
+                        <a:t>R183-5</a:t>
+                      </a:r>
+                    </a:p>
+                  </a:txBody>
+                  <a:tcPr/>
+                </a:tc>
+                <a:tc>
+                  <a:txBody>
+                    <a:bodyPr/>
+                    <a:lstStyle/>
+                    <a:p>
+                      <a:pPr algn="ctr"/>
+                      <a:r>
+                        <a:rPr lang="en-US" dirty="0">
+                          <a:latin typeface="Times New Roman" panose="02020603050405020304" pitchFamily="18" charset="0"/>
+                          <a:cs typeface="Times New Roman" panose="02020603050405020304" pitchFamily="18" charset="0"/>
+                        </a:rPr>
+                        <a:t>16.02</a:t>
+                      </a:r>
+                    </a:p>
+                  </a:txBody>
+                  <a:tcPr/>
+                </a:tc>
+                <a:tc>
+                  <a:txBody>
+                    <a:bodyPr/>
+                    <a:lstStyle/>
+                    <a:p>
+                      <a:pPr algn="ctr"/>
+                      <a:r>
+                        <a:rPr lang="en-US" dirty="0">
+                          <a:latin typeface="Times New Roman" panose="02020603050405020304" pitchFamily="18" charset="0"/>
+                          <a:cs typeface="Times New Roman" panose="02020603050405020304" pitchFamily="18" charset="0"/>
+                        </a:rPr>
+                        <a:t>0.36</a:t>
+                      </a:r>
+                    </a:p>
+                  </a:txBody>
+                  <a:tcPr/>
+                </a:tc>
+                <a:extLst>
+                  <a:ext uri="{0D108BD9-81ED-4DB2-BD59-A6C34878D82A}">
+                    <a16:rowId xmlns:a16="http://schemas.microsoft.com/office/drawing/2014/main" val="682016242"/>
+                  </a:ext>
+                </a:extLst>
+              </a:tr>
+              <a:tr h="800046">
+                <a:tc>
+                  <a:txBody>
+                    <a:bodyPr/>
+                    <a:lstStyle/>
+                    <a:p>
+                      <a:pPr algn="ctr"/>
+                      <a:r>
+                        <a:rPr lang="en-US" b="1" dirty="0">
+                          <a:latin typeface="Times New Roman" panose="02020603050405020304" pitchFamily="18" charset="0"/>
+                          <a:cs typeface="Times New Roman" panose="02020603050405020304" pitchFamily="18" charset="0"/>
+                        </a:rPr>
+                        <a:t>R168-5</a:t>
+                      </a:r>
+                    </a:p>
+                  </a:txBody>
+                  <a:tcPr/>
+                </a:tc>
+                <a:tc>
+                  <a:txBody>
+                    <a:bodyPr/>
+                    <a:lstStyle/>
+                    <a:p>
+                      <a:pPr algn="ctr"/>
+                      <a:r>
+                        <a:rPr lang="en-US" dirty="0">
+                          <a:latin typeface="Times New Roman" panose="02020603050405020304" pitchFamily="18" charset="0"/>
+                          <a:cs typeface="Times New Roman" panose="02020603050405020304" pitchFamily="18" charset="0"/>
+                        </a:rPr>
+                        <a:t>15.83</a:t>
+                      </a:r>
+                    </a:p>
+                  </a:txBody>
+                  <a:tcPr/>
+                </a:tc>
+                <a:tc>
+                  <a:txBody>
+                    <a:bodyPr/>
+                    <a:lstStyle/>
+                    <a:p>
+                      <a:pPr algn="ctr"/>
+                      <a:r>
+                        <a:rPr lang="en-US" dirty="0">
+                          <a:latin typeface="Times New Roman" panose="02020603050405020304" pitchFamily="18" charset="0"/>
+                          <a:cs typeface="Times New Roman" panose="02020603050405020304" pitchFamily="18" charset="0"/>
+                        </a:rPr>
+                        <a:t>0.3</a:t>
+                      </a:r>
+                    </a:p>
+                  </a:txBody>
+                  <a:tcPr/>
+                </a:tc>
+                <a:extLst>
+                  <a:ext uri="{0D108BD9-81ED-4DB2-BD59-A6C34878D82A}">
+                    <a16:rowId xmlns:a16="http://schemas.microsoft.com/office/drawing/2014/main" val="3753622800"/>
+                  </a:ext>
+                </a:extLst>
+              </a:tr>
+              <a:tr h="800046">
+                <a:tc>
+                  <a:txBody>
+                    <a:bodyPr/>
+                    <a:lstStyle/>
+                    <a:p>
+                      <a:pPr algn="ctr"/>
+                      <a:r>
+                        <a:rPr lang="en-US" b="1" dirty="0">
+                          <a:latin typeface="Times New Roman" panose="02020603050405020304" pitchFamily="18" charset="0"/>
+                          <a:cs typeface="Times New Roman" panose="02020603050405020304" pitchFamily="18" charset="0"/>
+                        </a:rPr>
+                        <a:t>R173-5</a:t>
+                      </a:r>
+                    </a:p>
+                  </a:txBody>
+                  <a:tcPr/>
+                </a:tc>
+                <a:tc>
+                  <a:txBody>
+                    <a:bodyPr/>
+                    <a:lstStyle/>
+                    <a:p>
+                      <a:pPr algn="ctr"/>
+                      <a:r>
+                        <a:rPr lang="en-US" dirty="0">
+                          <a:latin typeface="Times New Roman" panose="02020603050405020304" pitchFamily="18" charset="0"/>
+                          <a:cs typeface="Times New Roman" panose="02020603050405020304" pitchFamily="18" charset="0"/>
+                        </a:rPr>
+                        <a:t>15.76</a:t>
+                      </a:r>
+                    </a:p>
+                  </a:txBody>
+                  <a:tcPr/>
+                </a:tc>
+                <a:tc>
+                  <a:txBody>
+                    <a:bodyPr/>
+                    <a:lstStyle/>
+                    <a:p>
+                      <a:pPr algn="ctr"/>
+                      <a:r>
+                        <a:rPr lang="en-US" dirty="0">
+                          <a:latin typeface="Times New Roman" panose="02020603050405020304" pitchFamily="18" charset="0"/>
+                          <a:cs typeface="Times New Roman" panose="02020603050405020304" pitchFamily="18" charset="0"/>
+                        </a:rPr>
+                        <a:t>0.43</a:t>
+                      </a:r>
+                    </a:p>
+                  </a:txBody>
+                  <a:tcPr/>
+                </a:tc>
+                <a:extLst>
+                  <a:ext uri="{0D108BD9-81ED-4DB2-BD59-A6C34878D82A}">
+                    <a16:rowId xmlns:a16="http://schemas.microsoft.com/office/drawing/2014/main" val="3174169933"/>
+                  </a:ext>
+                </a:extLst>
+              </a:tr>
+              <a:tr h="800046">
+                <a:tc>
+                  <a:txBody>
+                    <a:bodyPr/>
+                    <a:lstStyle/>
+                    <a:p>
+                      <a:pPr algn="ctr"/>
+                      <a:r>
+                        <a:rPr lang="en-US" b="1" dirty="0">
+                          <a:latin typeface="Times New Roman" panose="02020603050405020304" pitchFamily="18" charset="0"/>
+                          <a:cs typeface="Times New Roman" panose="02020603050405020304" pitchFamily="18" charset="0"/>
+                        </a:rPr>
+                        <a:t>R192-5</a:t>
+                      </a:r>
+                    </a:p>
+                  </a:txBody>
+                  <a:tcPr/>
+                </a:tc>
+                <a:tc>
+                  <a:txBody>
+                    <a:bodyPr/>
+                    <a:lstStyle/>
+                    <a:p>
+                      <a:pPr algn="ctr"/>
+                      <a:r>
+                        <a:rPr lang="en-US" dirty="0">
+                          <a:latin typeface="Times New Roman" panose="02020603050405020304" pitchFamily="18" charset="0"/>
+                          <a:cs typeface="Times New Roman" panose="02020603050405020304" pitchFamily="18" charset="0"/>
+                        </a:rPr>
+                        <a:t>15.93</a:t>
+                      </a:r>
+                    </a:p>
+                  </a:txBody>
+                  <a:tcPr/>
+                </a:tc>
+                <a:tc>
+                  <a:txBody>
+                    <a:bodyPr/>
+                    <a:lstStyle/>
+                    <a:p>
+                      <a:pPr algn="ctr"/>
+                      <a:r>
+                        <a:rPr lang="en-US" dirty="0">
+                          <a:latin typeface="Times New Roman" panose="02020603050405020304" pitchFamily="18" charset="0"/>
+                          <a:cs typeface="Times New Roman" panose="02020603050405020304" pitchFamily="18" charset="0"/>
+                        </a:rPr>
+                        <a:t>0.4</a:t>
+                      </a:r>
+                    </a:p>
+                  </a:txBody>
+                  <a:tcPr/>
+                </a:tc>
+                <a:extLst>
+                  <a:ext uri="{0D108BD9-81ED-4DB2-BD59-A6C34878D82A}">
+                    <a16:rowId xmlns:a16="http://schemas.microsoft.com/office/drawing/2014/main" val="3338411690"/>
+                  </a:ext>
+                </a:extLst>
+              </a:tr>
+              <a:tr h="800046">
+                <a:tc>
+                  <a:txBody>
+                    <a:bodyPr/>
+                    <a:lstStyle/>
+                    <a:p>
+                      <a:pPr algn="ctr"/>
+                      <a:r>
+                        <a:rPr lang="en-US" b="1" dirty="0">
+                          <a:latin typeface="Times New Roman" panose="02020603050405020304" pitchFamily="18" charset="0"/>
+                          <a:cs typeface="Times New Roman" panose="02020603050405020304" pitchFamily="18" charset="0"/>
+                        </a:rPr>
+                        <a:t>R94-4</a:t>
+                      </a:r>
+                    </a:p>
+                  </a:txBody>
+                  <a:tcPr/>
+                </a:tc>
+                <a:tc>
+                  <a:txBody>
+                    <a:bodyPr/>
+                    <a:lstStyle/>
+                    <a:p>
+                      <a:pPr algn="ctr"/>
+                      <a:r>
+                        <a:rPr lang="en-US" dirty="0">
+                          <a:latin typeface="Times New Roman" panose="02020603050405020304" pitchFamily="18" charset="0"/>
+                          <a:cs typeface="Times New Roman" panose="02020603050405020304" pitchFamily="18" charset="0"/>
+                        </a:rPr>
+                        <a:t>15.23</a:t>
+                      </a:r>
+                    </a:p>
+                  </a:txBody>
+                  <a:tcPr/>
+                </a:tc>
+                <a:tc>
+                  <a:txBody>
+                    <a:bodyPr/>
+                    <a:lstStyle/>
+                    <a:p>
+                      <a:pPr algn="ctr"/>
+                      <a:r>
+                        <a:rPr lang="en-US" dirty="0">
+                          <a:latin typeface="Times New Roman" panose="02020603050405020304" pitchFamily="18" charset="0"/>
+                          <a:cs typeface="Times New Roman" panose="02020603050405020304" pitchFamily="18" charset="0"/>
+                        </a:rPr>
+                        <a:t>0.3</a:t>
+                      </a:r>
+                    </a:p>
+                  </a:txBody>
+                  <a:tcPr/>
+                </a:tc>
+                <a:extLst>
+                  <a:ext uri="{0D108BD9-81ED-4DB2-BD59-A6C34878D82A}">
+                    <a16:rowId xmlns:a16="http://schemas.microsoft.com/office/drawing/2014/main" val="1386526390"/>
+                  </a:ext>
+                </a:extLst>
+              </a:tr>
+            </a:tbl>
+          </a:graphicData>
+        </a:graphic>
+      </p:graphicFrame>
+      <p:pic>
+        <p:nvPicPr>
+          <p:cNvPr id="7" name="Picture 6" descr="A graph of a graph showing the temperature&#10;&#10;Description automatically generated">
+            <a:extLst>
+              <a:ext uri="{FF2B5EF4-FFF2-40B4-BE49-F238E27FC236}">
+                <a16:creationId xmlns:a16="http://schemas.microsoft.com/office/drawing/2014/main" id="{E30B2D72-D963-E31B-EE6F-B1C0E9FEACDB}"/>
+              </a:ext>
+            </a:extLst>
+          </p:cNvPr>
+          <p:cNvPicPr>
+            <a:picLocks/>
+          </p:cNvPicPr>
+          <p:nvPr/>
+        </p:nvPicPr>
+        <p:blipFill>
+          <a:blip r:embed="rId3">
+            <a:extLst>
+              <a:ext uri="{28A0092B-C50C-407E-A947-70E740481C1C}">
+                <a14:useLocalDpi xmlns:a14="http://schemas.microsoft.com/office/drawing/2010/main" val="0"/>
+              </a:ext>
+            </a:extLst>
+          </a:blip>
+          <a:stretch>
+            <a:fillRect/>
+          </a:stretch>
+        </p:blipFill>
+        <p:spPr>
+          <a:xfrm>
+            <a:off x="7782125" y="3903711"/>
+            <a:ext cx="3657600" cy="2746145"/>
+          </a:xfrm>
+          <a:prstGeom prst="rect">
+            <a:avLst/>
+          </a:prstGeom>
+        </p:spPr>
+      </p:pic>
+      <p:pic>
+        <p:nvPicPr>
+          <p:cNvPr id="9" name="Picture 8" descr="A graph of a graph&#10;&#10;Description automatically generated">
+            <a:extLst>
+              <a:ext uri="{FF2B5EF4-FFF2-40B4-BE49-F238E27FC236}">
+                <a16:creationId xmlns:a16="http://schemas.microsoft.com/office/drawing/2014/main" id="{E78D8F8A-B6B7-975F-E9EB-8647C2D581CA}"/>
+              </a:ext>
+            </a:extLst>
+          </p:cNvPr>
+          <p:cNvPicPr>
+            <a:picLocks/>
+          </p:cNvPicPr>
+          <p:nvPr/>
+        </p:nvPicPr>
+        <p:blipFill>
+          <a:blip r:embed="rId4" cstate="print">
+            <a:extLst>
+              <a:ext uri="{28A0092B-C50C-407E-A947-70E740481C1C}">
+                <a14:useLocalDpi xmlns:a14="http://schemas.microsoft.com/office/drawing/2010/main" val="0"/>
+              </a:ext>
+            </a:extLst>
+          </a:blip>
+          <a:stretch>
+            <a:fillRect/>
+          </a:stretch>
+        </p:blipFill>
+        <p:spPr>
+          <a:xfrm>
+            <a:off x="4781602" y="1090247"/>
+            <a:ext cx="3657600" cy="2743200"/>
+          </a:xfrm>
+          <a:prstGeom prst="rect">
+            <a:avLst/>
+          </a:prstGeom>
+        </p:spPr>
+      </p:pic>
+    </p:spTree>
+    <p:extLst>
+      <p:ext uri="{BB962C8B-B14F-4D97-AF65-F5344CB8AC3E}">
+        <p14:creationId xmlns:p14="http://schemas.microsoft.com/office/powerpoint/2010/main" val="717419754"/>
+      </p:ext>
+    </p:extLst>
+  </p:cSld>
+  <p:clrMapOvr>
+    <a:masterClrMapping/>
+  </p:clrMapOvr>
+  <mc:AlternateContent xmlns:mc="http://schemas.openxmlformats.org/markup-compatibility/2006" xmlns:p14="http://schemas.microsoft.com/office/powerpoint/2010/main">
+    <mc:Choice Requires="p14">
+      <p:transition spd="med" p14:dur="700">
+        <p:fade/>
+      </p:transition>
+    </mc:Choice>
+    <mc:Fallback xmlns="">
+      <p:transition spd="med">
+        <p:fade/>
+      </p:transition>
+    </mc:Fallback>
+  </mc:AlternateContent>
+</p:sld>
+</file>
+
+<file path=ppt/slides/slide3.xml><?xml version="1.0" encoding="utf-8"?>
+<p:sld xmlns:a="http://schemas.openxmlformats.org/drawingml/2006/main" xmlns:r="http://schemas.openxmlformats.org/officeDocument/2006/relationships" xmlns:p="http://schemas.openxmlformats.org/presentationml/2006/main">
+  <p:cSld>
+    <p:spTree>
+      <p:nvGrpSpPr>
+        <p:cNvPr id="1" name="">
+          <a:extLst>
+            <a:ext uri="{FF2B5EF4-FFF2-40B4-BE49-F238E27FC236}">
+              <a16:creationId xmlns:a16="http://schemas.microsoft.com/office/drawing/2014/main" id="{5B098A9B-FBC6-E2FA-F589-18569FDF1996}"/>
+            </a:ext>
+          </a:extLst>
+        </p:cNvPr>
+        <p:cNvGrpSpPr/>
+        <p:nvPr/>
+      </p:nvGrpSpPr>
+      <p:grpSpPr>
+        <a:xfrm>
+          <a:off x="0" y="0"/>
+          <a:ext cx="0" cy="0"/>
+          <a:chOff x="0" y="0"/>
+          <a:chExt cx="0" cy="0"/>
+        </a:xfrm>
+      </p:grpSpPr>
+      <p:sp>
+        <p:nvSpPr>
+          <p:cNvPr id="6" name="Slide Number Placeholder 5">
+            <a:extLst>
+              <a:ext uri="{FF2B5EF4-FFF2-40B4-BE49-F238E27FC236}">
+                <a16:creationId xmlns:a16="http://schemas.microsoft.com/office/drawing/2014/main" id="{A815599F-AEA9-C4E4-49A3-11C7BCCCADE4}"/>
+              </a:ext>
+            </a:extLst>
+          </p:cNvPr>
+          <p:cNvSpPr>
+            <a:spLocks noGrp="1"/>
+          </p:cNvSpPr>
+          <p:nvPr>
+            <p:ph type="sldNum" idx="6"/>
+          </p:nvPr>
+        </p:nvSpPr>
+        <p:spPr/>
+        <p:txBody>
+          <a:bodyPr/>
+          <a:lstStyle/>
+          <a:p>
+            <a:fld id="{3019C82F-06C9-4BF5-A76D-93E34012DE4A}" type="slidenum">
+              <a:rPr lang="en-US" smtClean="0">
+                <a:latin typeface="Times New Roman" panose="02020603050405020304" pitchFamily="18" charset="0"/>
+                <a:cs typeface="Times New Roman" panose="02020603050405020304" pitchFamily="18" charset="0"/>
+              </a:rPr>
+              <a:t>3</a:t>
+            </a:fld>
+            <a:endParaRPr lang="en-US" dirty="0">
+              <a:latin typeface="Times New Roman" panose="02020603050405020304" pitchFamily="18" charset="0"/>
+              <a:cs typeface="Times New Roman" panose="02020603050405020304" pitchFamily="18" charset="0"/>
+            </a:endParaRPr>
+          </a:p>
+        </p:txBody>
+      </p:sp>
+      <p:sp>
+        <p:nvSpPr>
+          <p:cNvPr id="2" name="Title 6">
+            <a:extLst>
+              <a:ext uri="{FF2B5EF4-FFF2-40B4-BE49-F238E27FC236}">
+                <a16:creationId xmlns:a16="http://schemas.microsoft.com/office/drawing/2014/main" id="{C1373ADD-BDDD-D466-3D90-D205D98284C8}"/>
+              </a:ext>
+            </a:extLst>
+          </p:cNvPr>
+          <p:cNvSpPr>
+            <a:spLocks noGrp="1"/>
+          </p:cNvSpPr>
+          <p:nvPr>
+            <p:ph type="title"/>
+          </p:nvPr>
+        </p:nvSpPr>
+        <p:spPr>
+          <a:xfrm>
+            <a:off x="978934" y="0"/>
+            <a:ext cx="10972440" cy="840509"/>
+          </a:xfrm>
+        </p:spPr>
+        <p:txBody>
+          <a:bodyPr/>
+          <a:lstStyle/>
+          <a:p>
             <a:endParaRPr lang="en-US" dirty="0">
               <a:latin typeface="Times New Roman" panose="02020603050405020304" pitchFamily="18" charset="0"/>
               <a:cs typeface="Times New Roman" panose="02020603050405020304" pitchFamily="18" charset="0"/>
@@ -7215,7 +7953,7 @@
           <p:cNvPr id="4" name="Picture 3" descr="A graph with colorful lines and numbers&#10;&#10;Description automatically generated">
             <a:extLst>
               <a:ext uri="{FF2B5EF4-FFF2-40B4-BE49-F238E27FC236}">
-                <a16:creationId xmlns:a16="http://schemas.microsoft.com/office/drawing/2014/main" id="{F88592B6-61A9-E080-D2E4-32A81AE2A9BB}"/>
+                <a16:creationId xmlns:a16="http://schemas.microsoft.com/office/drawing/2014/main" id="{BCFD0FF9-DBB8-5237-D2DC-D0E2114F328A}"/>
               </a:ext>
             </a:extLst>
           </p:cNvPr>
@@ -7249,20 +7987,20 @@
     </p:spTree>
     <p:extLst>
       <p:ext uri="{BB962C8B-B14F-4D97-AF65-F5344CB8AC3E}">
-        <p14:creationId xmlns:p14="http://schemas.microsoft.com/office/powerpoint/2010/main" val="717419754"/>
+        <p14:creationId xmlns:p14="http://schemas.microsoft.com/office/powerpoint/2010/main" val="1004058761"/>
       </p:ext>
     </p:extLst>
   </p:cSld>
   <p:clrMapOvr>
     <a:masterClrMapping/>
   </p:clrMapOvr>
-  <mc:AlternateContent xmlns:mc="http://schemas.openxmlformats.org/markup-compatibility/2006">
-    <mc:Choice xmlns:p14="http://schemas.microsoft.com/office/powerpoint/2010/main" Requires="p14">
+  <mc:AlternateContent xmlns:mc="http://schemas.openxmlformats.org/markup-compatibility/2006" xmlns:p14="http://schemas.microsoft.com/office/powerpoint/2010/main">
+    <mc:Choice Requires="p14">
       <p:transition spd="med" p14:dur="700">
         <p:fade/>
       </p:transition>
     </mc:Choice>
-    <mc:Fallback>
+    <mc:Fallback xmlns="">
       <p:transition spd="med">
         <p:fade/>
       </p:transition>
@@ -7271,7 +8009,7 @@
 </p:sld>
 </file>
 
-<file path=ppt/slides/slide3.xml><?xml version="1.0" encoding="utf-8"?>
+<file path=ppt/slides/slide4.xml><?xml version="1.0" encoding="utf-8"?>
 <p:sld xmlns:a="http://schemas.openxmlformats.org/drawingml/2006/main" xmlns:r="http://schemas.openxmlformats.org/officeDocument/2006/relationships" xmlns:p="http://schemas.openxmlformats.org/presentationml/2006/main">
   <p:cSld>
     <p:spTree>
@@ -7320,7 +8058,7 @@
                 <a:latin typeface="Times New Roman" panose="02020603050405020304" pitchFamily="18" charset="0"/>
                 <a:cs typeface="Times New Roman" panose="02020603050405020304" pitchFamily="18" charset="0"/>
               </a:rPr>
-              <a:t>3</a:t>
+              <a:t>4</a:t>
             </a:fld>
             <a:endParaRPr lang="en-US" dirty="0">
               <a:latin typeface="Times New Roman" panose="02020603050405020304" pitchFamily="18" charset="0"/>
@@ -8745,13 +9483,13 @@
   <p:clrMapOvr>
     <a:masterClrMapping/>
   </p:clrMapOvr>
-  <mc:AlternateContent xmlns:mc="http://schemas.openxmlformats.org/markup-compatibility/2006">
-    <mc:Choice xmlns:p14="http://schemas.microsoft.com/office/powerpoint/2010/main" Requires="p14">
+  <mc:AlternateContent xmlns:mc="http://schemas.openxmlformats.org/markup-compatibility/2006" xmlns:p14="http://schemas.microsoft.com/office/powerpoint/2010/main">
+    <mc:Choice Requires="p14">
       <p:transition spd="med" p14:dur="700">
         <p:fade/>
       </p:transition>
     </mc:Choice>
-    <mc:Fallback>
+    <mc:Fallback xmlns="">
       <p:transition spd="med">
         <p:fade/>
       </p:transition>
@@ -9934,7 +10672,7 @@
 </p:sld>
 </file>
 
-<file path=ppt/slides/slide4.xml><?xml version="1.0" encoding="utf-8"?>
+<file path=ppt/slides/slide5.xml><?xml version="1.0" encoding="utf-8"?>
 <p:sld xmlns:a="http://schemas.openxmlformats.org/drawingml/2006/main" xmlns:r="http://schemas.openxmlformats.org/officeDocument/2006/relationships" xmlns:p="http://schemas.openxmlformats.org/presentationml/2006/main">
   <p:cSld>
     <p:spTree>
@@ -9983,7 +10721,7 @@
                 <a:latin typeface="Times New Roman" panose="02020603050405020304" pitchFamily="18" charset="0"/>
                 <a:cs typeface="Times New Roman" panose="02020603050405020304" pitchFamily="18" charset="0"/>
               </a:rPr>
-              <a:t>4</a:t>
+              <a:t>5</a:t>
             </a:fld>
             <a:endParaRPr lang="en-US" dirty="0">
               <a:latin typeface="Times New Roman" panose="02020603050405020304" pitchFamily="18" charset="0"/>
@@ -11424,13 +12162,13 @@
   <p:clrMapOvr>
     <a:masterClrMapping/>
   </p:clrMapOvr>
-  <mc:AlternateContent xmlns:mc="http://schemas.openxmlformats.org/markup-compatibility/2006">
-    <mc:Choice xmlns:p14="http://schemas.microsoft.com/office/powerpoint/2010/main" Requires="p14">
+  <mc:AlternateContent xmlns:mc="http://schemas.openxmlformats.org/markup-compatibility/2006" xmlns:p14="http://schemas.microsoft.com/office/powerpoint/2010/main">
+    <mc:Choice Requires="p14">
       <p:transition spd="med" p14:dur="700">
         <p:fade/>
       </p:transition>
     </mc:Choice>
-    <mc:Fallback>
+    <mc:Fallback xmlns="">
       <p:transition spd="med">
         <p:fade/>
       </p:transition>
@@ -12622,7 +13360,7 @@
 </p:sld>
 </file>
 
-<file path=ppt/slides/slide5.xml><?xml version="1.0" encoding="utf-8"?>
+<file path=ppt/slides/slide6.xml><?xml version="1.0" encoding="utf-8"?>
 <p:sld xmlns:a="http://schemas.openxmlformats.org/drawingml/2006/main" xmlns:r="http://schemas.openxmlformats.org/officeDocument/2006/relationships" xmlns:p="http://schemas.openxmlformats.org/presentationml/2006/main">
   <p:cSld>
     <p:spTree>
@@ -12671,7 +13409,7 @@
                 <a:latin typeface="Times New Roman" panose="02020603050405020304" pitchFamily="18" charset="0"/>
                 <a:cs typeface="Times New Roman" panose="02020603050405020304" pitchFamily="18" charset="0"/>
               </a:rPr>
-              <a:t>5</a:t>
+              <a:t>6</a:t>
             </a:fld>
             <a:endParaRPr lang="en-US" dirty="0">
               <a:latin typeface="Times New Roman" panose="02020603050405020304" pitchFamily="18" charset="0"/>
@@ -12723,13 +13461,13 @@
   <p:clrMapOvr>
     <a:masterClrMapping/>
   </p:clrMapOvr>
-  <mc:AlternateContent xmlns:mc="http://schemas.openxmlformats.org/markup-compatibility/2006">
-    <mc:Choice xmlns:p14="http://schemas.microsoft.com/office/powerpoint/2010/main" Requires="p14">
+  <mc:AlternateContent xmlns:mc="http://schemas.openxmlformats.org/markup-compatibility/2006" xmlns:p14="http://schemas.microsoft.com/office/powerpoint/2010/main">
+    <mc:Choice Requires="p14">
       <p:transition spd="med" p14:dur="700">
         <p:fade/>
       </p:transition>
     </mc:Choice>
-    <mc:Fallback>
+    <mc:Fallback xmlns="">
       <p:transition spd="med">
         <p:fade/>
       </p:transition>
@@ -12738,7 +13476,7 @@
 </p:sld>
 </file>
 
-<file path=ppt/slides/slide6.xml><?xml version="1.0" encoding="utf-8"?>
+<file path=ppt/slides/slide7.xml><?xml version="1.0" encoding="utf-8"?>
 <p:sld xmlns:a="http://schemas.openxmlformats.org/drawingml/2006/main" xmlns:r="http://schemas.openxmlformats.org/officeDocument/2006/relationships" xmlns:p="http://schemas.openxmlformats.org/presentationml/2006/main">
   <p:cSld>
     <p:spTree>
@@ -12781,7 +13519,7 @@
                 <a:latin typeface="Times New Roman" panose="02020603050405020304" pitchFamily="18" charset="0"/>
                 <a:cs typeface="Times New Roman" panose="02020603050405020304" pitchFamily="18" charset="0"/>
               </a:rPr>
-              <a:t>6</a:t>
+              <a:t>7</a:t>
             </a:fld>
             <a:endParaRPr lang="en-US" dirty="0">
               <a:latin typeface="Times New Roman" panose="02020603050405020304" pitchFamily="18" charset="0"/>
@@ -12833,13 +13571,13 @@
   <p:clrMapOvr>
     <a:masterClrMapping/>
   </p:clrMapOvr>
-  <mc:AlternateContent xmlns:mc="http://schemas.openxmlformats.org/markup-compatibility/2006">
-    <mc:Choice xmlns:p14="http://schemas.microsoft.com/office/powerpoint/2010/main" Requires="p14">
+  <mc:AlternateContent xmlns:mc="http://schemas.openxmlformats.org/markup-compatibility/2006" xmlns:p14="http://schemas.microsoft.com/office/powerpoint/2010/main">
+    <mc:Choice Requires="p14">
       <p:transition spd="med" p14:dur="700">
         <p:fade/>
       </p:transition>
     </mc:Choice>
-    <mc:Fallback>
+    <mc:Fallback xmlns="">
       <p:transition spd="med">
         <p:fade/>
       </p:transition>

--- a/Nb3SnMeeting.pptx
+++ b/Nb3SnMeeting.pptx
@@ -6,16 +6,18 @@
     <p:sldMasterId id="2147483674" r:id="rId2"/>
   </p:sldMasterIdLst>
   <p:notesMasterIdLst>
-    <p:notesMasterId r:id="rId10"/>
+    <p:notesMasterId r:id="rId12"/>
   </p:notesMasterIdLst>
   <p:sldIdLst>
     <p:sldId id="256" r:id="rId3"/>
     <p:sldId id="276" r:id="rId4"/>
-    <p:sldId id="282" r:id="rId5"/>
-    <p:sldId id="280" r:id="rId6"/>
-    <p:sldId id="281" r:id="rId7"/>
-    <p:sldId id="279" r:id="rId8"/>
-    <p:sldId id="278" r:id="rId9"/>
+    <p:sldId id="284" r:id="rId5"/>
+    <p:sldId id="285" r:id="rId6"/>
+    <p:sldId id="282" r:id="rId7"/>
+    <p:sldId id="280" r:id="rId8"/>
+    <p:sldId id="281" r:id="rId9"/>
+    <p:sldId id="279" r:id="rId10"/>
+    <p:sldId id="278" r:id="rId11"/>
   </p:sldIdLst>
   <p:sldSz cx="12192000" cy="6858000"/>
   <p:notesSz cx="6950075" cy="9236075"/>
@@ -698,6 +700,186 @@
   <p:cSld>
     <p:spTree>
       <p:nvGrpSpPr>
+        <p:cNvPr id="1" name=""/>
+        <p:cNvGrpSpPr/>
+        <p:nvPr/>
+      </p:nvGrpSpPr>
+      <p:grpSpPr>
+        <a:xfrm>
+          <a:off x="0" y="0"/>
+          <a:ext cx="0" cy="0"/>
+          <a:chOff x="0" y="0"/>
+          <a:chExt cx="0" cy="0"/>
+        </a:xfrm>
+      </p:grpSpPr>
+      <p:sp>
+        <p:nvSpPr>
+          <p:cNvPr id="2" name="Slide Image Placeholder 1"/>
+          <p:cNvSpPr>
+            <a:spLocks noGrp="1" noRot="1" noChangeAspect="1"/>
+          </p:cNvSpPr>
+          <p:nvPr>
+            <p:ph type="sldImg"/>
+          </p:nvPr>
+        </p:nvSpPr>
+        <p:spPr>
+          <a:xfrm>
+            <a:off x="230188" y="820738"/>
+            <a:ext cx="7200900" cy="4049712"/>
+          </a:xfrm>
+        </p:spPr>
+      </p:sp>
+      <p:sp>
+        <p:nvSpPr>
+          <p:cNvPr id="3" name="Notes Placeholder 2"/>
+          <p:cNvSpPr>
+            <a:spLocks noGrp="1"/>
+          </p:cNvSpPr>
+          <p:nvPr>
+            <p:ph type="body" idx="1"/>
+          </p:nvPr>
+        </p:nvSpPr>
+        <p:spPr/>
+        <p:txBody>
+          <a:bodyPr/>
+          <a:lstStyle/>
+          <a:p>
+            <a:endParaRPr lang="en-US" dirty="0"/>
+          </a:p>
+        </p:txBody>
+      </p:sp>
+      <p:sp>
+        <p:nvSpPr>
+          <p:cNvPr id="4" name="Slide Number Placeholder 3"/>
+          <p:cNvSpPr>
+            <a:spLocks noGrp="1"/>
+          </p:cNvSpPr>
+          <p:nvPr>
+            <p:ph type="sldNum" idx="13"/>
+          </p:nvPr>
+        </p:nvSpPr>
+        <p:spPr/>
+        <p:txBody>
+          <a:bodyPr/>
+          <a:lstStyle/>
+          <a:p>
+            <a:pPr algn="r"/>
+            <a:fld id="{5F31EB8E-2301-4DA5-A7C1-ED26BD725A15}" type="slidenum">
+              <a:rPr lang="en-US"/>
+              <a:t>3</a:t>
+            </a:fld>
+            <a:endParaRPr lang="en-US"/>
+          </a:p>
+        </p:txBody>
+      </p:sp>
+    </p:spTree>
+    <p:extLst>
+      <p:ext uri="{BB962C8B-B14F-4D97-AF65-F5344CB8AC3E}">
+        <p14:creationId xmlns:p14="http://schemas.microsoft.com/office/powerpoint/2010/main" val="3474023339"/>
+      </p:ext>
+    </p:extLst>
+  </p:cSld>
+  <p:clrMapOvr>
+    <a:masterClrMapping/>
+  </p:clrMapOvr>
+</p:notes>
+</file>
+
+<file path=ppt/notesSlides/notesSlide4.xml><?xml version="1.0" encoding="utf-8"?>
+<p:notes xmlns:a="http://schemas.openxmlformats.org/drawingml/2006/main" xmlns:r="http://schemas.openxmlformats.org/officeDocument/2006/relationships" xmlns:p="http://schemas.openxmlformats.org/presentationml/2006/main">
+  <p:cSld>
+    <p:spTree>
+      <p:nvGrpSpPr>
+        <p:cNvPr id="1" name=""/>
+        <p:cNvGrpSpPr/>
+        <p:nvPr/>
+      </p:nvGrpSpPr>
+      <p:grpSpPr>
+        <a:xfrm>
+          <a:off x="0" y="0"/>
+          <a:ext cx="0" cy="0"/>
+          <a:chOff x="0" y="0"/>
+          <a:chExt cx="0" cy="0"/>
+        </a:xfrm>
+      </p:grpSpPr>
+      <p:sp>
+        <p:nvSpPr>
+          <p:cNvPr id="2" name="Slide Image Placeholder 1"/>
+          <p:cNvSpPr>
+            <a:spLocks noGrp="1" noRot="1" noChangeAspect="1"/>
+          </p:cNvSpPr>
+          <p:nvPr>
+            <p:ph type="sldImg"/>
+          </p:nvPr>
+        </p:nvSpPr>
+        <p:spPr>
+          <a:xfrm>
+            <a:off x="230188" y="820738"/>
+            <a:ext cx="7200900" cy="4049712"/>
+          </a:xfrm>
+        </p:spPr>
+      </p:sp>
+      <p:sp>
+        <p:nvSpPr>
+          <p:cNvPr id="3" name="Notes Placeholder 2"/>
+          <p:cNvSpPr>
+            <a:spLocks noGrp="1"/>
+          </p:cNvSpPr>
+          <p:nvPr>
+            <p:ph type="body" idx="1"/>
+          </p:nvPr>
+        </p:nvSpPr>
+        <p:spPr/>
+        <p:txBody>
+          <a:bodyPr/>
+          <a:lstStyle/>
+          <a:p>
+            <a:endParaRPr lang="en-US" dirty="0"/>
+          </a:p>
+        </p:txBody>
+      </p:sp>
+      <p:sp>
+        <p:nvSpPr>
+          <p:cNvPr id="4" name="Slide Number Placeholder 3"/>
+          <p:cNvSpPr>
+            <a:spLocks noGrp="1"/>
+          </p:cNvSpPr>
+          <p:nvPr>
+            <p:ph type="sldNum" idx="13"/>
+          </p:nvPr>
+        </p:nvSpPr>
+        <p:spPr/>
+        <p:txBody>
+          <a:bodyPr/>
+          <a:lstStyle/>
+          <a:p>
+            <a:pPr algn="r"/>
+            <a:fld id="{5F31EB8E-2301-4DA5-A7C1-ED26BD725A15}" type="slidenum">
+              <a:rPr lang="en-US"/>
+              <a:t>4</a:t>
+            </a:fld>
+            <a:endParaRPr lang="en-US"/>
+          </a:p>
+        </p:txBody>
+      </p:sp>
+    </p:spTree>
+    <p:extLst>
+      <p:ext uri="{BB962C8B-B14F-4D97-AF65-F5344CB8AC3E}">
+        <p14:creationId xmlns:p14="http://schemas.microsoft.com/office/powerpoint/2010/main" val="312366436"/>
+      </p:ext>
+    </p:extLst>
+  </p:cSld>
+  <p:clrMapOvr>
+    <a:masterClrMapping/>
+  </p:clrMapOvr>
+</p:notes>
+</file>
+
+<file path=ppt/notesSlides/notesSlide5.xml><?xml version="1.0" encoding="utf-8"?>
+<p:notes xmlns:a="http://schemas.openxmlformats.org/drawingml/2006/main" xmlns:r="http://schemas.openxmlformats.org/officeDocument/2006/relationships" xmlns:p="http://schemas.openxmlformats.org/presentationml/2006/main">
+  <p:cSld>
+    <p:spTree>
+      <p:nvGrpSpPr>
         <p:cNvPr id="1" name="">
           <a:extLst>
             <a:ext uri="{FF2B5EF4-FFF2-40B4-BE49-F238E27FC236}">
@@ -788,7 +970,7 @@
             <a:pPr algn="r"/>
             <a:fld id="{5F31EB8E-2301-4DA5-A7C1-ED26BD725A15}" type="slidenum">
               <a:rPr lang="en-US"/>
-              <a:t>3</a:t>
+              <a:t>5</a:t>
             </a:fld>
             <a:endParaRPr lang="en-US"/>
           </a:p>
@@ -807,7 +989,7 @@
 </p:notes>
 </file>
 
-<file path=ppt/notesSlides/notesSlide4.xml><?xml version="1.0" encoding="utf-8"?>
+<file path=ppt/notesSlides/notesSlide6.xml><?xml version="1.0" encoding="utf-8"?>
 <p:notes xmlns:a="http://schemas.openxmlformats.org/drawingml/2006/main" xmlns:r="http://schemas.openxmlformats.org/officeDocument/2006/relationships" xmlns:p="http://schemas.openxmlformats.org/presentationml/2006/main">
   <p:cSld>
     <p:spTree>
@@ -902,7 +1084,7 @@
             <a:pPr algn="r"/>
             <a:fld id="{5F31EB8E-2301-4DA5-A7C1-ED26BD725A15}" type="slidenum">
               <a:rPr lang="en-US"/>
-              <a:t>4</a:t>
+              <a:t>6</a:t>
             </a:fld>
             <a:endParaRPr lang="en-US"/>
           </a:p>
@@ -921,7 +1103,7 @@
 </p:notes>
 </file>
 
-<file path=ppt/notesSlides/notesSlide5.xml><?xml version="1.0" encoding="utf-8"?>
+<file path=ppt/notesSlides/notesSlide7.xml><?xml version="1.0" encoding="utf-8"?>
 <p:notes xmlns:a="http://schemas.openxmlformats.org/drawingml/2006/main" xmlns:r="http://schemas.openxmlformats.org/officeDocument/2006/relationships" xmlns:p="http://schemas.openxmlformats.org/presentationml/2006/main">
   <p:cSld>
     <p:spTree>
@@ -1016,7 +1198,7 @@
             <a:pPr algn="r"/>
             <a:fld id="{5F31EB8E-2301-4DA5-A7C1-ED26BD725A15}" type="slidenum">
               <a:rPr lang="en-US"/>
-              <a:t>5</a:t>
+              <a:t>7</a:t>
             </a:fld>
             <a:endParaRPr lang="en-US"/>
           </a:p>
@@ -1035,7 +1217,7 @@
 </p:notes>
 </file>
 
-<file path=ppt/notesSlides/notesSlide6.xml><?xml version="1.0" encoding="utf-8"?>
+<file path=ppt/notesSlides/notesSlide8.xml><?xml version="1.0" encoding="utf-8"?>
 <p:notes xmlns:a="http://schemas.openxmlformats.org/drawingml/2006/main" xmlns:r="http://schemas.openxmlformats.org/officeDocument/2006/relationships" xmlns:p="http://schemas.openxmlformats.org/presentationml/2006/main">
   <p:cSld>
     <p:spTree>
@@ -1130,7 +1312,7 @@
             <a:pPr algn="r"/>
             <a:fld id="{5F31EB8E-2301-4DA5-A7C1-ED26BD725A15}" type="slidenum">
               <a:rPr lang="en-US"/>
-              <a:t>6</a:t>
+              <a:t>8</a:t>
             </a:fld>
             <a:endParaRPr lang="en-US"/>
           </a:p>
@@ -1149,7 +1331,7 @@
 </p:notes>
 </file>
 
-<file path=ppt/notesSlides/notesSlide7.xml><?xml version="1.0" encoding="utf-8"?>
+<file path=ppt/notesSlides/notesSlide9.xml><?xml version="1.0" encoding="utf-8"?>
 <p:notes xmlns:a="http://schemas.openxmlformats.org/drawingml/2006/main" xmlns:r="http://schemas.openxmlformats.org/officeDocument/2006/relationships" xmlns:p="http://schemas.openxmlformats.org/presentationml/2006/main">
   <p:cSld>
     <p:spTree>
@@ -1220,7 +1402,7 @@
             <a:pPr algn="r"/>
             <a:fld id="{5F31EB8E-2301-4DA5-A7C1-ED26BD725A15}" type="slidenum">
               <a:rPr lang="en-US"/>
-              <a:t>7</a:t>
+              <a:t>9</a:t>
             </a:fld>
             <a:endParaRPr lang="en-US"/>
           </a:p>
@@ -7862,6 +8044,726 @@
   <p:cSld>
     <p:spTree>
       <p:nvGrpSpPr>
+        <p:cNvPr id="1" name=""/>
+        <p:cNvGrpSpPr/>
+        <p:nvPr/>
+      </p:nvGrpSpPr>
+      <p:grpSpPr>
+        <a:xfrm>
+          <a:off x="0" y="0"/>
+          <a:ext cx="0" cy="0"/>
+          <a:chOff x="0" y="0"/>
+          <a:chExt cx="0" cy="0"/>
+        </a:xfrm>
+      </p:grpSpPr>
+      <p:sp>
+        <p:nvSpPr>
+          <p:cNvPr id="6" name="Slide Number Placeholder 5">
+            <a:extLst>
+              <a:ext uri="{FF2B5EF4-FFF2-40B4-BE49-F238E27FC236}">
+                <a16:creationId xmlns:a16="http://schemas.microsoft.com/office/drawing/2014/main" id="{D28E0D37-69EC-6694-44F6-07DA19E8D34F}"/>
+              </a:ext>
+            </a:extLst>
+          </p:cNvPr>
+          <p:cNvSpPr>
+            <a:spLocks noGrp="1"/>
+          </p:cNvSpPr>
+          <p:nvPr>
+            <p:ph type="sldNum" idx="6"/>
+          </p:nvPr>
+        </p:nvSpPr>
+        <p:spPr/>
+        <p:txBody>
+          <a:bodyPr/>
+          <a:lstStyle/>
+          <a:p>
+            <a:fld id="{3019C82F-06C9-4BF5-A76D-93E34012DE4A}" type="slidenum">
+              <a:rPr lang="en-US" smtClean="0">
+                <a:latin typeface="Times New Roman" panose="02020603050405020304" pitchFamily="18" charset="0"/>
+                <a:cs typeface="Times New Roman" panose="02020603050405020304" pitchFamily="18" charset="0"/>
+              </a:rPr>
+              <a:t>3</a:t>
+            </a:fld>
+            <a:endParaRPr lang="en-US" dirty="0">
+              <a:latin typeface="Times New Roman" panose="02020603050405020304" pitchFamily="18" charset="0"/>
+              <a:cs typeface="Times New Roman" panose="02020603050405020304" pitchFamily="18" charset="0"/>
+            </a:endParaRPr>
+          </a:p>
+        </p:txBody>
+      </p:sp>
+      <p:sp>
+        <p:nvSpPr>
+          <p:cNvPr id="2" name="Title 6">
+            <a:extLst>
+              <a:ext uri="{FF2B5EF4-FFF2-40B4-BE49-F238E27FC236}">
+                <a16:creationId xmlns:a16="http://schemas.microsoft.com/office/drawing/2014/main" id="{006813B1-2702-CF8B-21B7-1CA18271C3F8}"/>
+              </a:ext>
+            </a:extLst>
+          </p:cNvPr>
+          <p:cNvSpPr>
+            <a:spLocks noGrp="1"/>
+          </p:cNvSpPr>
+          <p:nvPr>
+            <p:ph type="title"/>
+          </p:nvPr>
+        </p:nvSpPr>
+        <p:spPr>
+          <a:xfrm>
+            <a:off x="978934" y="0"/>
+            <a:ext cx="10972440" cy="840509"/>
+          </a:xfrm>
+        </p:spPr>
+        <p:txBody>
+          <a:bodyPr/>
+          <a:lstStyle/>
+          <a:p>
+            <a:r>
+              <a:rPr lang="en-US" dirty="0">
+                <a:latin typeface="Times New Roman" panose="02020603050405020304" pitchFamily="18" charset="0"/>
+                <a:cs typeface="Times New Roman" panose="02020603050405020304" pitchFamily="18" charset="0"/>
+              </a:rPr>
+              <a:t>Samples with Ta interlayer</a:t>
+            </a:r>
+          </a:p>
+        </p:txBody>
+      </p:sp>
+      <p:pic>
+        <p:nvPicPr>
+          <p:cNvPr id="10" name="Picture 9">
+            <a:extLst>
+              <a:ext uri="{FF2B5EF4-FFF2-40B4-BE49-F238E27FC236}">
+                <a16:creationId xmlns:a16="http://schemas.microsoft.com/office/drawing/2014/main" id="{71EB71E5-04A2-6726-FD79-23764D0E05C6}"/>
+              </a:ext>
+            </a:extLst>
+          </p:cNvPr>
+          <p:cNvPicPr>
+            <a:picLocks noChangeAspect="1"/>
+          </p:cNvPicPr>
+          <p:nvPr/>
+        </p:nvPicPr>
+        <p:blipFill>
+          <a:blip r:embed="rId3" cstate="print">
+            <a:extLst>
+              <a:ext uri="{28A0092B-C50C-407E-A947-70E740481C1C}">
+                <a14:useLocalDpi xmlns:a14="http://schemas.microsoft.com/office/drawing/2010/main" val="0"/>
+              </a:ext>
+            </a:extLst>
+          </a:blip>
+          <a:stretch>
+            <a:fillRect/>
+          </a:stretch>
+        </p:blipFill>
+        <p:spPr>
+          <a:xfrm>
+            <a:off x="7787943" y="2540650"/>
+            <a:ext cx="3600000" cy="2872727"/>
+          </a:xfrm>
+          <a:prstGeom prst="rect">
+            <a:avLst/>
+          </a:prstGeom>
+        </p:spPr>
+      </p:pic>
+      <p:pic>
+        <p:nvPicPr>
+          <p:cNvPr id="12" name="Picture 11">
+            <a:extLst>
+              <a:ext uri="{FF2B5EF4-FFF2-40B4-BE49-F238E27FC236}">
+                <a16:creationId xmlns:a16="http://schemas.microsoft.com/office/drawing/2014/main" id="{128FF83A-B073-5CFC-33E1-2743759E17BB}"/>
+              </a:ext>
+            </a:extLst>
+          </p:cNvPr>
+          <p:cNvPicPr>
+            <a:picLocks/>
+          </p:cNvPicPr>
+          <p:nvPr/>
+        </p:nvPicPr>
+        <p:blipFill>
+          <a:blip r:embed="rId4" cstate="print">
+            <a:extLst>
+              <a:ext uri="{28A0092B-C50C-407E-A947-70E740481C1C}">
+                <a14:useLocalDpi xmlns:a14="http://schemas.microsoft.com/office/drawing/2010/main" val="0"/>
+              </a:ext>
+            </a:extLst>
+          </a:blip>
+          <a:stretch>
+            <a:fillRect/>
+          </a:stretch>
+        </p:blipFill>
+        <p:spPr>
+          <a:xfrm>
+            <a:off x="3951547" y="2540650"/>
+            <a:ext cx="3600000" cy="2880000"/>
+          </a:xfrm>
+          <a:prstGeom prst="rect">
+            <a:avLst/>
+          </a:prstGeom>
+        </p:spPr>
+      </p:pic>
+      <p:pic>
+        <p:nvPicPr>
+          <p:cNvPr id="18" name="Picture 17">
+            <a:extLst>
+              <a:ext uri="{FF2B5EF4-FFF2-40B4-BE49-F238E27FC236}">
+                <a16:creationId xmlns:a16="http://schemas.microsoft.com/office/drawing/2014/main" id="{33C3C51F-02B4-5B34-D60C-53801FF9D8A1}"/>
+              </a:ext>
+            </a:extLst>
+          </p:cNvPr>
+          <p:cNvPicPr>
+            <a:picLocks/>
+          </p:cNvPicPr>
+          <p:nvPr/>
+        </p:nvPicPr>
+        <p:blipFill>
+          <a:blip r:embed="rId5" cstate="print">
+            <a:extLst>
+              <a:ext uri="{28A0092B-C50C-407E-A947-70E740481C1C}">
+                <a14:useLocalDpi xmlns:a14="http://schemas.microsoft.com/office/drawing/2010/main" val="0"/>
+              </a:ext>
+            </a:extLst>
+          </a:blip>
+          <a:stretch>
+            <a:fillRect/>
+          </a:stretch>
+        </p:blipFill>
+        <p:spPr>
+          <a:xfrm>
+            <a:off x="115151" y="2540650"/>
+            <a:ext cx="3600000" cy="2880000"/>
+          </a:xfrm>
+          <a:prstGeom prst="rect">
+            <a:avLst/>
+          </a:prstGeom>
+        </p:spPr>
+      </p:pic>
+      <p:sp>
+        <p:nvSpPr>
+          <p:cNvPr id="19" name="Oval 18">
+            <a:extLst>
+              <a:ext uri="{FF2B5EF4-FFF2-40B4-BE49-F238E27FC236}">
+                <a16:creationId xmlns:a16="http://schemas.microsoft.com/office/drawing/2014/main" id="{34FE6195-A183-1FDC-C128-16D31F2DE72E}"/>
+              </a:ext>
+            </a:extLst>
+          </p:cNvPr>
+          <p:cNvSpPr/>
+          <p:nvPr/>
+        </p:nvSpPr>
+        <p:spPr>
+          <a:xfrm>
+            <a:off x="1086051" y="4277650"/>
+            <a:ext cx="1257300" cy="1143000"/>
+          </a:xfrm>
+          <a:prstGeom prst="ellipse">
+            <a:avLst/>
+          </a:prstGeom>
+          <a:noFill/>
+          <a:ln>
+            <a:solidFill>
+              <a:srgbClr val="7030A0"/>
+            </a:solidFill>
+          </a:ln>
+        </p:spPr>
+        <p:style>
+          <a:lnRef idx="2">
+            <a:schemeClr val="accent1">
+              <a:shade val="15000"/>
+            </a:schemeClr>
+          </a:lnRef>
+          <a:fillRef idx="1">
+            <a:schemeClr val="accent1"/>
+          </a:fillRef>
+          <a:effectRef idx="0">
+            <a:schemeClr val="accent1"/>
+          </a:effectRef>
+          <a:fontRef idx="minor">
+            <a:schemeClr val="lt1"/>
+          </a:fontRef>
+        </p:style>
+        <p:txBody>
+          <a:bodyPr rtlCol="0" anchor="ctr"/>
+          <a:lstStyle/>
+          <a:p>
+            <a:pPr algn="ctr"/>
+            <a:endParaRPr lang="en-US"/>
+          </a:p>
+        </p:txBody>
+      </p:sp>
+      <p:sp>
+        <p:nvSpPr>
+          <p:cNvPr id="20" name="Oval 19">
+            <a:extLst>
+              <a:ext uri="{FF2B5EF4-FFF2-40B4-BE49-F238E27FC236}">
+                <a16:creationId xmlns:a16="http://schemas.microsoft.com/office/drawing/2014/main" id="{9AFBA552-AE0F-865A-5AC9-057CBB9822F5}"/>
+              </a:ext>
+            </a:extLst>
+          </p:cNvPr>
+          <p:cNvSpPr/>
+          <p:nvPr/>
+        </p:nvSpPr>
+        <p:spPr>
+          <a:xfrm>
+            <a:off x="8734176" y="4267200"/>
+            <a:ext cx="1257300" cy="1143000"/>
+          </a:xfrm>
+          <a:prstGeom prst="ellipse">
+            <a:avLst/>
+          </a:prstGeom>
+          <a:noFill/>
+          <a:ln>
+            <a:solidFill>
+              <a:srgbClr val="7030A0"/>
+            </a:solidFill>
+          </a:ln>
+        </p:spPr>
+        <p:style>
+          <a:lnRef idx="2">
+            <a:schemeClr val="accent1">
+              <a:shade val="15000"/>
+            </a:schemeClr>
+          </a:lnRef>
+          <a:fillRef idx="1">
+            <a:schemeClr val="accent1"/>
+          </a:fillRef>
+          <a:effectRef idx="0">
+            <a:schemeClr val="accent1"/>
+          </a:effectRef>
+          <a:fontRef idx="minor">
+            <a:schemeClr val="lt1"/>
+          </a:fontRef>
+        </p:style>
+        <p:txBody>
+          <a:bodyPr rtlCol="0" anchor="ctr"/>
+          <a:lstStyle/>
+          <a:p>
+            <a:pPr algn="ctr"/>
+            <a:endParaRPr lang="en-US"/>
+          </a:p>
+        </p:txBody>
+      </p:sp>
+      <p:sp>
+        <p:nvSpPr>
+          <p:cNvPr id="21" name="Oval 20">
+            <a:extLst>
+              <a:ext uri="{FF2B5EF4-FFF2-40B4-BE49-F238E27FC236}">
+                <a16:creationId xmlns:a16="http://schemas.microsoft.com/office/drawing/2014/main" id="{22E99740-ADAA-6A5F-56FD-E7B984DA0C7C}"/>
+              </a:ext>
+            </a:extLst>
+          </p:cNvPr>
+          <p:cNvSpPr/>
+          <p:nvPr/>
+        </p:nvSpPr>
+        <p:spPr>
+          <a:xfrm>
+            <a:off x="5029401" y="4267200"/>
+            <a:ext cx="1257300" cy="1143000"/>
+          </a:xfrm>
+          <a:prstGeom prst="ellipse">
+            <a:avLst/>
+          </a:prstGeom>
+          <a:noFill/>
+          <a:ln>
+            <a:solidFill>
+              <a:srgbClr val="7030A0"/>
+            </a:solidFill>
+          </a:ln>
+        </p:spPr>
+        <p:style>
+          <a:lnRef idx="2">
+            <a:schemeClr val="accent1">
+              <a:shade val="15000"/>
+            </a:schemeClr>
+          </a:lnRef>
+          <a:fillRef idx="1">
+            <a:schemeClr val="accent1"/>
+          </a:fillRef>
+          <a:effectRef idx="0">
+            <a:schemeClr val="accent1"/>
+          </a:effectRef>
+          <a:fontRef idx="minor">
+            <a:schemeClr val="lt1"/>
+          </a:fontRef>
+        </p:style>
+        <p:txBody>
+          <a:bodyPr rtlCol="0" anchor="ctr"/>
+          <a:lstStyle/>
+          <a:p>
+            <a:pPr algn="ctr"/>
+            <a:endParaRPr lang="en-US"/>
+          </a:p>
+        </p:txBody>
+      </p:sp>
+    </p:spTree>
+    <p:extLst>
+      <p:ext uri="{BB962C8B-B14F-4D97-AF65-F5344CB8AC3E}">
+        <p14:creationId xmlns:p14="http://schemas.microsoft.com/office/powerpoint/2010/main" val="3972706815"/>
+      </p:ext>
+    </p:extLst>
+  </p:cSld>
+  <p:clrMapOvr>
+    <a:masterClrMapping/>
+  </p:clrMapOvr>
+  <mc:AlternateContent xmlns:mc="http://schemas.openxmlformats.org/markup-compatibility/2006" xmlns:p14="http://schemas.microsoft.com/office/powerpoint/2010/main">
+    <mc:Choice Requires="p14">
+      <p:transition spd="med" p14:dur="700">
+        <p:fade/>
+      </p:transition>
+    </mc:Choice>
+    <mc:Fallback xmlns="">
+      <p:transition spd="med">
+        <p:fade/>
+      </p:transition>
+    </mc:Fallback>
+  </mc:AlternateContent>
+  <p:timing>
+    <p:tnLst>
+      <p:par>
+        <p:cTn id="1" dur="indefinite" restart="never" nodeType="tmRoot">
+          <p:childTnLst>
+            <p:seq concurrent="1" nextAc="seek">
+              <p:cTn id="2" dur="indefinite" nodeType="mainSeq">
+                <p:childTnLst>
+                  <p:par>
+                    <p:cTn id="3" fill="hold">
+                      <p:stCondLst>
+                        <p:cond delay="indefinite"/>
+                      </p:stCondLst>
+                      <p:childTnLst>
+                        <p:par>
+                          <p:cTn id="4" fill="hold">
+                            <p:stCondLst>
+                              <p:cond delay="0"/>
+                            </p:stCondLst>
+                            <p:childTnLst>
+                              <p:par>
+                                <p:cTn id="5" presetID="10" presetClass="entr" presetSubtype="0" fill="hold" grpId="0" nodeType="clickEffect">
+                                  <p:stCondLst>
+                                    <p:cond delay="0"/>
+                                  </p:stCondLst>
+                                  <p:childTnLst>
+                                    <p:set>
+                                      <p:cBhvr>
+                                        <p:cTn id="6" dur="1" fill="hold">
+                                          <p:stCondLst>
+                                            <p:cond delay="0"/>
+                                          </p:stCondLst>
+                                        </p:cTn>
+                                        <p:tgtEl>
+                                          <p:spTgt spid="19"/>
+                                        </p:tgtEl>
+                                        <p:attrNameLst>
+                                          <p:attrName>style.visibility</p:attrName>
+                                        </p:attrNameLst>
+                                      </p:cBhvr>
+                                      <p:to>
+                                        <p:strVal val="visible"/>
+                                      </p:to>
+                                    </p:set>
+                                    <p:animEffect transition="in" filter="fade">
+                                      <p:cBhvr>
+                                        <p:cTn id="7" dur="500"/>
+                                        <p:tgtEl>
+                                          <p:spTgt spid="19"/>
+                                        </p:tgtEl>
+                                      </p:cBhvr>
+                                    </p:animEffect>
+                                  </p:childTnLst>
+                                </p:cTn>
+                              </p:par>
+                              <p:par>
+                                <p:cTn id="8" presetID="10" presetClass="entr" presetSubtype="0" fill="hold" grpId="0" nodeType="withEffect">
+                                  <p:stCondLst>
+                                    <p:cond delay="0"/>
+                                  </p:stCondLst>
+                                  <p:childTnLst>
+                                    <p:set>
+                                      <p:cBhvr>
+                                        <p:cTn id="9" dur="1" fill="hold">
+                                          <p:stCondLst>
+                                            <p:cond delay="0"/>
+                                          </p:stCondLst>
+                                        </p:cTn>
+                                        <p:tgtEl>
+                                          <p:spTgt spid="21"/>
+                                        </p:tgtEl>
+                                        <p:attrNameLst>
+                                          <p:attrName>style.visibility</p:attrName>
+                                        </p:attrNameLst>
+                                      </p:cBhvr>
+                                      <p:to>
+                                        <p:strVal val="visible"/>
+                                      </p:to>
+                                    </p:set>
+                                    <p:animEffect transition="in" filter="fade">
+                                      <p:cBhvr>
+                                        <p:cTn id="10" dur="500"/>
+                                        <p:tgtEl>
+                                          <p:spTgt spid="21"/>
+                                        </p:tgtEl>
+                                      </p:cBhvr>
+                                    </p:animEffect>
+                                  </p:childTnLst>
+                                </p:cTn>
+                              </p:par>
+                              <p:par>
+                                <p:cTn id="11" presetID="10" presetClass="entr" presetSubtype="0" fill="hold" grpId="0" nodeType="withEffect">
+                                  <p:stCondLst>
+                                    <p:cond delay="0"/>
+                                  </p:stCondLst>
+                                  <p:childTnLst>
+                                    <p:set>
+                                      <p:cBhvr>
+                                        <p:cTn id="12" dur="1" fill="hold">
+                                          <p:stCondLst>
+                                            <p:cond delay="0"/>
+                                          </p:stCondLst>
+                                        </p:cTn>
+                                        <p:tgtEl>
+                                          <p:spTgt spid="20"/>
+                                        </p:tgtEl>
+                                        <p:attrNameLst>
+                                          <p:attrName>style.visibility</p:attrName>
+                                        </p:attrNameLst>
+                                      </p:cBhvr>
+                                      <p:to>
+                                        <p:strVal val="visible"/>
+                                      </p:to>
+                                    </p:set>
+                                    <p:animEffect transition="in" filter="fade">
+                                      <p:cBhvr>
+                                        <p:cTn id="13" dur="500"/>
+                                        <p:tgtEl>
+                                          <p:spTgt spid="20"/>
+                                        </p:tgtEl>
+                                      </p:cBhvr>
+                                    </p:animEffect>
+                                  </p:childTnLst>
+                                </p:cTn>
+                              </p:par>
+                            </p:childTnLst>
+                          </p:cTn>
+                        </p:par>
+                      </p:childTnLst>
+                    </p:cTn>
+                  </p:par>
+                </p:childTnLst>
+              </p:cTn>
+              <p:prevCondLst>
+                <p:cond evt="onPrev" delay="0">
+                  <p:tgtEl>
+                    <p:sldTgt/>
+                  </p:tgtEl>
+                </p:cond>
+              </p:prevCondLst>
+              <p:nextCondLst>
+                <p:cond evt="onNext" delay="0">
+                  <p:tgtEl>
+                    <p:sldTgt/>
+                  </p:tgtEl>
+                </p:cond>
+              </p:nextCondLst>
+            </p:seq>
+          </p:childTnLst>
+        </p:cTn>
+      </p:par>
+    </p:tnLst>
+    <p:bldLst>
+      <p:bldP spid="19" grpId="0" animBg="1"/>
+      <p:bldP spid="20" grpId="0" animBg="1"/>
+      <p:bldP spid="21" grpId="0" animBg="1"/>
+    </p:bldLst>
+  </p:timing>
+</p:sld>
+</file>
+
+<file path=ppt/slides/slide4.xml><?xml version="1.0" encoding="utf-8"?>
+<p:sld xmlns:a="http://schemas.openxmlformats.org/drawingml/2006/main" xmlns:r="http://schemas.openxmlformats.org/officeDocument/2006/relationships" xmlns:p="http://schemas.openxmlformats.org/presentationml/2006/main">
+  <p:cSld>
+    <p:spTree>
+      <p:nvGrpSpPr>
+        <p:cNvPr id="1" name=""/>
+        <p:cNvGrpSpPr/>
+        <p:nvPr/>
+      </p:nvGrpSpPr>
+      <p:grpSpPr>
+        <a:xfrm>
+          <a:off x="0" y="0"/>
+          <a:ext cx="0" cy="0"/>
+          <a:chOff x="0" y="0"/>
+          <a:chExt cx="0" cy="0"/>
+        </a:xfrm>
+      </p:grpSpPr>
+      <p:sp>
+        <p:nvSpPr>
+          <p:cNvPr id="6" name="Slide Number Placeholder 5">
+            <a:extLst>
+              <a:ext uri="{FF2B5EF4-FFF2-40B4-BE49-F238E27FC236}">
+                <a16:creationId xmlns:a16="http://schemas.microsoft.com/office/drawing/2014/main" id="{D28E0D37-69EC-6694-44F6-07DA19E8D34F}"/>
+              </a:ext>
+            </a:extLst>
+          </p:cNvPr>
+          <p:cNvSpPr>
+            <a:spLocks noGrp="1"/>
+          </p:cNvSpPr>
+          <p:nvPr>
+            <p:ph type="sldNum" idx="6"/>
+          </p:nvPr>
+        </p:nvSpPr>
+        <p:spPr/>
+        <p:txBody>
+          <a:bodyPr/>
+          <a:lstStyle/>
+          <a:p>
+            <a:fld id="{3019C82F-06C9-4BF5-A76D-93E34012DE4A}" type="slidenum">
+              <a:rPr lang="en-US" smtClean="0">
+                <a:latin typeface="Times New Roman" panose="02020603050405020304" pitchFamily="18" charset="0"/>
+                <a:cs typeface="Times New Roman" panose="02020603050405020304" pitchFamily="18" charset="0"/>
+              </a:rPr>
+              <a:t>4</a:t>
+            </a:fld>
+            <a:endParaRPr lang="en-US" dirty="0">
+              <a:latin typeface="Times New Roman" panose="02020603050405020304" pitchFamily="18" charset="0"/>
+              <a:cs typeface="Times New Roman" panose="02020603050405020304" pitchFamily="18" charset="0"/>
+            </a:endParaRPr>
+          </a:p>
+        </p:txBody>
+      </p:sp>
+      <p:sp>
+        <p:nvSpPr>
+          <p:cNvPr id="2" name="Title 6">
+            <a:extLst>
+              <a:ext uri="{FF2B5EF4-FFF2-40B4-BE49-F238E27FC236}">
+                <a16:creationId xmlns:a16="http://schemas.microsoft.com/office/drawing/2014/main" id="{006813B1-2702-CF8B-21B7-1CA18271C3F8}"/>
+              </a:ext>
+            </a:extLst>
+          </p:cNvPr>
+          <p:cNvSpPr>
+            <a:spLocks noGrp="1"/>
+          </p:cNvSpPr>
+          <p:nvPr>
+            <p:ph type="title"/>
+          </p:nvPr>
+        </p:nvSpPr>
+        <p:spPr>
+          <a:xfrm>
+            <a:off x="978934" y="0"/>
+            <a:ext cx="10972440" cy="840509"/>
+          </a:xfrm>
+        </p:spPr>
+        <p:txBody>
+          <a:bodyPr/>
+          <a:lstStyle/>
+          <a:p>
+            <a:r>
+              <a:rPr lang="en-US" dirty="0">
+                <a:latin typeface="Times New Roman" panose="02020603050405020304" pitchFamily="18" charset="0"/>
+                <a:cs typeface="Times New Roman" panose="02020603050405020304" pitchFamily="18" charset="0"/>
+              </a:rPr>
+              <a:t>Samples without Ta interlayer</a:t>
+            </a:r>
+          </a:p>
+        </p:txBody>
+      </p:sp>
+      <p:pic>
+        <p:nvPicPr>
+          <p:cNvPr id="14" name="Picture 13">
+            <a:extLst>
+              <a:ext uri="{FF2B5EF4-FFF2-40B4-BE49-F238E27FC236}">
+                <a16:creationId xmlns:a16="http://schemas.microsoft.com/office/drawing/2014/main" id="{9F7E5684-5FDC-2430-12A6-B56E0996BB22}"/>
+              </a:ext>
+            </a:extLst>
+          </p:cNvPr>
+          <p:cNvPicPr>
+            <a:picLocks noChangeAspect="1"/>
+          </p:cNvPicPr>
+          <p:nvPr/>
+        </p:nvPicPr>
+        <p:blipFill>
+          <a:blip r:embed="rId3" cstate="print">
+            <a:extLst>
+              <a:ext uri="{28A0092B-C50C-407E-A947-70E740481C1C}">
+                <a14:useLocalDpi xmlns:a14="http://schemas.microsoft.com/office/drawing/2010/main" val="0"/>
+              </a:ext>
+            </a:extLst>
+          </a:blip>
+          <a:stretch>
+            <a:fillRect/>
+          </a:stretch>
+        </p:blipFill>
+        <p:spPr>
+          <a:xfrm>
+            <a:off x="6292620" y="2066575"/>
+            <a:ext cx="3600000" cy="2875631"/>
+          </a:xfrm>
+          <a:prstGeom prst="rect">
+            <a:avLst/>
+          </a:prstGeom>
+        </p:spPr>
+      </p:pic>
+      <p:pic>
+        <p:nvPicPr>
+          <p:cNvPr id="16" name="Picture 15">
+            <a:extLst>
+              <a:ext uri="{FF2B5EF4-FFF2-40B4-BE49-F238E27FC236}">
+                <a16:creationId xmlns:a16="http://schemas.microsoft.com/office/drawing/2014/main" id="{0DD897E9-7A62-42B9-1AC9-B03555EC0EC0}"/>
+              </a:ext>
+            </a:extLst>
+          </p:cNvPr>
+          <p:cNvPicPr>
+            <a:picLocks/>
+          </p:cNvPicPr>
+          <p:nvPr/>
+        </p:nvPicPr>
+        <p:blipFill>
+          <a:blip r:embed="rId4" cstate="print">
+            <a:extLst>
+              <a:ext uri="{28A0092B-C50C-407E-A947-70E740481C1C}">
+                <a14:useLocalDpi xmlns:a14="http://schemas.microsoft.com/office/drawing/2010/main" val="0"/>
+              </a:ext>
+            </a:extLst>
+          </a:blip>
+          <a:stretch>
+            <a:fillRect/>
+          </a:stretch>
+        </p:blipFill>
+        <p:spPr>
+          <a:xfrm>
+            <a:off x="1375479" y="2062206"/>
+            <a:ext cx="3600000" cy="2880000"/>
+          </a:xfrm>
+          <a:prstGeom prst="rect">
+            <a:avLst/>
+          </a:prstGeom>
+        </p:spPr>
+      </p:pic>
+    </p:spTree>
+    <p:extLst>
+      <p:ext uri="{BB962C8B-B14F-4D97-AF65-F5344CB8AC3E}">
+        <p14:creationId xmlns:p14="http://schemas.microsoft.com/office/powerpoint/2010/main" val="3993165361"/>
+      </p:ext>
+    </p:extLst>
+  </p:cSld>
+  <p:clrMapOvr>
+    <a:masterClrMapping/>
+  </p:clrMapOvr>
+  <mc:AlternateContent xmlns:mc="http://schemas.openxmlformats.org/markup-compatibility/2006" xmlns:p14="http://schemas.microsoft.com/office/powerpoint/2010/main">
+    <mc:Choice Requires="p14">
+      <p:transition spd="med" p14:dur="700">
+        <p:fade/>
+      </p:transition>
+    </mc:Choice>
+    <mc:Fallback xmlns="">
+      <p:transition spd="med">
+        <p:fade/>
+      </p:transition>
+    </mc:Fallback>
+  </mc:AlternateContent>
+</p:sld>
+</file>
+
+<file path=ppt/slides/slide5.xml><?xml version="1.0" encoding="utf-8"?>
+<p:sld xmlns:a="http://schemas.openxmlformats.org/drawingml/2006/main" xmlns:r="http://schemas.openxmlformats.org/officeDocument/2006/relationships" xmlns:p="http://schemas.openxmlformats.org/presentationml/2006/main">
+  <p:cSld>
+    <p:spTree>
+      <p:nvGrpSpPr>
         <p:cNvPr id="1" name="">
           <a:extLst>
             <a:ext uri="{FF2B5EF4-FFF2-40B4-BE49-F238E27FC236}">
@@ -7906,7 +8808,7 @@
                 <a:latin typeface="Times New Roman" panose="02020603050405020304" pitchFamily="18" charset="0"/>
                 <a:cs typeface="Times New Roman" panose="02020603050405020304" pitchFamily="18" charset="0"/>
               </a:rPr>
-              <a:t>3</a:t>
+              <a:t>5</a:t>
             </a:fld>
             <a:endParaRPr lang="en-US" dirty="0">
               <a:latin typeface="Times New Roman" panose="02020603050405020304" pitchFamily="18" charset="0"/>
@@ -7950,7 +8852,7 @@
       </p:sp>
       <p:pic>
         <p:nvPicPr>
-          <p:cNvPr id="4" name="Picture 3" descr="A graph with colorful lines and numbers&#10;&#10;Description automatically generated">
+          <p:cNvPr id="4" name="Picture 3">
             <a:extLst>
               <a:ext uri="{FF2B5EF4-FFF2-40B4-BE49-F238E27FC236}">
                 <a16:creationId xmlns:a16="http://schemas.microsoft.com/office/drawing/2014/main" id="{BCFD0FF9-DBB8-5237-D2DC-D0E2114F328A}"/>
@@ -7970,14 +8872,13 @@
               </a:ext>
             </a:extLst>
           </a:blip>
-          <a:stretch>
-            <a:fillRect/>
-          </a:stretch>
+          <a:srcRect/>
+          <a:stretch/>
         </p:blipFill>
         <p:spPr>
           <a:xfrm>
-            <a:off x="2568102" y="1061458"/>
-            <a:ext cx="6845329" cy="5555278"/>
+            <a:off x="2051267" y="1015567"/>
+            <a:ext cx="6845329" cy="5522753"/>
           </a:xfrm>
           <a:prstGeom prst="rect">
             <a:avLst/>
@@ -8009,7 +8910,7 @@
 </p:sld>
 </file>
 
-<file path=ppt/slides/slide4.xml><?xml version="1.0" encoding="utf-8"?>
+<file path=ppt/slides/slide6.xml><?xml version="1.0" encoding="utf-8"?>
 <p:sld xmlns:a="http://schemas.openxmlformats.org/drawingml/2006/main" xmlns:r="http://schemas.openxmlformats.org/officeDocument/2006/relationships" xmlns:p="http://schemas.openxmlformats.org/presentationml/2006/main">
   <p:cSld>
     <p:spTree>
@@ -8058,7 +8959,7 @@
                 <a:latin typeface="Times New Roman" panose="02020603050405020304" pitchFamily="18" charset="0"/>
                 <a:cs typeface="Times New Roman" panose="02020603050405020304" pitchFamily="18" charset="0"/>
               </a:rPr>
-              <a:t>4</a:t>
+              <a:t>6</a:t>
             </a:fld>
             <a:endParaRPr lang="en-US" dirty="0">
               <a:latin typeface="Times New Roman" panose="02020603050405020304" pitchFamily="18" charset="0"/>
@@ -10539,7 +11440,7 @@
                             </p:stCondLst>
                             <p:childTnLst>
                               <p:par>
-                                <p:cTn id="92" presetID="22" presetClass="entr" presetSubtype="8" fill="hold" grpId="0" nodeType="afterEffect">
+                                <p:cTn id="92" presetID="10" presetClass="entr" presetSubtype="0" fill="hold" grpId="0" nodeType="afterEffect">
                                   <p:stCondLst>
                                     <p:cond delay="0"/>
                                   </p:stCondLst>
@@ -10562,9 +11463,9 @@
                                         <p:strVal val="visible"/>
                                       </p:to>
                                     </p:set>
-                                    <p:animEffect transition="in" filter="wipe(left)">
+                                    <p:animEffect transition="in" filter="fade">
                                       <p:cBhvr>
-                                        <p:cTn id="94" dur="200"/>
+                                        <p:cTn id="94" dur="500"/>
                                         <p:tgtEl>
                                           <p:spTgt spid="30"/>
                                         </p:tgtEl>
@@ -10574,7 +11475,7 @@
                                 </p:cTn>
                               </p:par>
                               <p:par>
-                                <p:cTn id="95" presetID="22" presetClass="entr" presetSubtype="8" fill="hold" grpId="0" nodeType="withEffect">
+                                <p:cTn id="95" presetID="10" presetClass="entr" presetSubtype="0" fill="hold" grpId="0" nodeType="withEffect">
                                   <p:stCondLst>
                                     <p:cond delay="0"/>
                                   </p:stCondLst>
@@ -10597,9 +11498,9 @@
                                         <p:strVal val="visible"/>
                                       </p:to>
                                     </p:set>
-                                    <p:animEffect transition="in" filter="wipe(left)">
+                                    <p:animEffect transition="in" filter="fade">
                                       <p:cBhvr>
-                                        <p:cTn id="97" dur="200"/>
+                                        <p:cTn id="97" dur="500"/>
                                         <p:tgtEl>
                                           <p:spTgt spid="31"/>
                                         </p:tgtEl>
@@ -10672,7 +11573,7 @@
 </p:sld>
 </file>
 
-<file path=ppt/slides/slide5.xml><?xml version="1.0" encoding="utf-8"?>
+<file path=ppt/slides/slide7.xml><?xml version="1.0" encoding="utf-8"?>
 <p:sld xmlns:a="http://schemas.openxmlformats.org/drawingml/2006/main" xmlns:r="http://schemas.openxmlformats.org/officeDocument/2006/relationships" xmlns:p="http://schemas.openxmlformats.org/presentationml/2006/main">
   <p:cSld>
     <p:spTree>
@@ -10721,7 +11622,7 @@
                 <a:latin typeface="Times New Roman" panose="02020603050405020304" pitchFamily="18" charset="0"/>
                 <a:cs typeface="Times New Roman" panose="02020603050405020304" pitchFamily="18" charset="0"/>
               </a:rPr>
-              <a:t>5</a:t>
+              <a:t>7</a:t>
             </a:fld>
             <a:endParaRPr lang="en-US" dirty="0">
               <a:latin typeface="Times New Roman" panose="02020603050405020304" pitchFamily="18" charset="0"/>
@@ -13218,7 +14119,7 @@
                             </p:stCondLst>
                             <p:childTnLst>
                               <p:par>
-                                <p:cTn id="92" presetID="22" presetClass="entr" presetSubtype="8" fill="hold" grpId="0" nodeType="afterEffect">
+                                <p:cTn id="92" presetID="10" presetClass="entr" presetSubtype="0" fill="hold" grpId="0" nodeType="afterEffect">
                                   <p:stCondLst>
                                     <p:cond delay="0"/>
                                   </p:stCondLst>
@@ -13241,9 +14142,9 @@
                                         <p:strVal val="visible"/>
                                       </p:to>
                                     </p:set>
-                                    <p:animEffect transition="in" filter="wipe(left)">
+                                    <p:animEffect transition="in" filter="fade">
                                       <p:cBhvr>
-                                        <p:cTn id="94" dur="200"/>
+                                        <p:cTn id="94" dur="500"/>
                                         <p:tgtEl>
                                           <p:spTgt spid="37"/>
                                         </p:tgtEl>
@@ -13252,24 +14153,15 @@
                                   </p:childTnLst>
                                 </p:cTn>
                               </p:par>
-                            </p:childTnLst>
-                          </p:cTn>
-                        </p:par>
-                        <p:par>
-                          <p:cTn id="95" fill="hold">
-                            <p:stCondLst>
-                              <p:cond delay="2200"/>
-                            </p:stCondLst>
-                            <p:childTnLst>
                               <p:par>
-                                <p:cTn id="96" presetID="22" presetClass="entr" presetSubtype="8" fill="hold" grpId="0" nodeType="afterEffect">
+                                <p:cTn id="95" presetID="10" presetClass="entr" presetSubtype="0" fill="hold" grpId="0" nodeType="withEffect">
                                   <p:stCondLst>
                                     <p:cond delay="0"/>
                                   </p:stCondLst>
                                   <p:childTnLst>
                                     <p:set>
                                       <p:cBhvr>
-                                        <p:cTn id="97" dur="1" fill="hold">
+                                        <p:cTn id="96" dur="1" fill="hold">
                                           <p:stCondLst>
                                             <p:cond delay="0"/>
                                           </p:stCondLst>
@@ -13285,9 +14177,9 @@
                                         <p:strVal val="visible"/>
                                       </p:to>
                                     </p:set>
-                                    <p:animEffect transition="in" filter="wipe(left)">
+                                    <p:animEffect transition="in" filter="fade">
                                       <p:cBhvr>
-                                        <p:cTn id="98" dur="200"/>
+                                        <p:cTn id="97" dur="500"/>
                                         <p:tgtEl>
                                           <p:spTgt spid="38"/>
                                         </p:tgtEl>
@@ -13360,7 +14252,7 @@
 </p:sld>
 </file>
 
-<file path=ppt/slides/slide6.xml><?xml version="1.0" encoding="utf-8"?>
+<file path=ppt/slides/slide8.xml><?xml version="1.0" encoding="utf-8"?>
 <p:sld xmlns:a="http://schemas.openxmlformats.org/drawingml/2006/main" xmlns:r="http://schemas.openxmlformats.org/officeDocument/2006/relationships" xmlns:p="http://schemas.openxmlformats.org/presentationml/2006/main">
   <p:cSld>
     <p:spTree>
@@ -13409,7 +14301,7 @@
                 <a:latin typeface="Times New Roman" panose="02020603050405020304" pitchFamily="18" charset="0"/>
                 <a:cs typeface="Times New Roman" panose="02020603050405020304" pitchFamily="18" charset="0"/>
               </a:rPr>
-              <a:t>6</a:t>
+              <a:t>8</a:t>
             </a:fld>
             <a:endParaRPr lang="en-US" dirty="0">
               <a:latin typeface="Times New Roman" panose="02020603050405020304" pitchFamily="18" charset="0"/>
@@ -13451,6 +14343,346 @@
           </a:p>
         </p:txBody>
       </p:sp>
+      <p:pic>
+        <p:nvPicPr>
+          <p:cNvPr id="4" name="Picture 3">
+            <a:extLst>
+              <a:ext uri="{FF2B5EF4-FFF2-40B4-BE49-F238E27FC236}">
+                <a16:creationId xmlns:a16="http://schemas.microsoft.com/office/drawing/2014/main" id="{7B6675E1-0863-AA33-2060-8A18CC2B4DF6}"/>
+              </a:ext>
+            </a:extLst>
+          </p:cNvPr>
+          <p:cNvPicPr>
+            <a:picLocks noChangeAspect="1"/>
+          </p:cNvPicPr>
+          <p:nvPr/>
+        </p:nvPicPr>
+        <p:blipFill>
+          <a:blip r:embed="rId3">
+            <a:extLst>
+              <a:ext uri="{28A0092B-C50C-407E-A947-70E740481C1C}">
+                <a14:useLocalDpi xmlns:a14="http://schemas.microsoft.com/office/drawing/2010/main" val="0"/>
+              </a:ext>
+            </a:extLst>
+          </a:blip>
+          <a:stretch>
+            <a:fillRect/>
+          </a:stretch>
+        </p:blipFill>
+        <p:spPr>
+          <a:xfrm>
+            <a:off x="523109" y="1012249"/>
+            <a:ext cx="10974332" cy="5344271"/>
+          </a:xfrm>
+          <a:prstGeom prst="rect">
+            <a:avLst/>
+          </a:prstGeom>
+        </p:spPr>
+      </p:pic>
+      <p:cxnSp>
+        <p:nvCxnSpPr>
+          <p:cNvPr id="7" name="Straight Connector 6">
+            <a:extLst>
+              <a:ext uri="{FF2B5EF4-FFF2-40B4-BE49-F238E27FC236}">
+                <a16:creationId xmlns:a16="http://schemas.microsoft.com/office/drawing/2014/main" id="{0118E6D5-A645-3C08-9E2C-48B617E2200E}"/>
+              </a:ext>
+            </a:extLst>
+          </p:cNvPr>
+          <p:cNvCxnSpPr>
+            <a:cxnSpLocks/>
+          </p:cNvCxnSpPr>
+          <p:nvPr/>
+        </p:nvCxnSpPr>
+        <p:spPr>
+          <a:xfrm flipV="1">
+            <a:off x="5172075" y="1781175"/>
+            <a:ext cx="0" cy="3876675"/>
+          </a:xfrm>
+          <a:prstGeom prst="line">
+            <a:avLst/>
+          </a:prstGeom>
+          <a:ln w="57150">
+            <a:solidFill>
+              <a:srgbClr val="FF0000"/>
+            </a:solidFill>
+          </a:ln>
+        </p:spPr>
+        <p:style>
+          <a:lnRef idx="1">
+            <a:schemeClr val="accent1"/>
+          </a:lnRef>
+          <a:fillRef idx="0">
+            <a:schemeClr val="accent1"/>
+          </a:fillRef>
+          <a:effectRef idx="0">
+            <a:schemeClr val="accent1"/>
+          </a:effectRef>
+          <a:fontRef idx="minor">
+            <a:schemeClr val="tx1"/>
+          </a:fontRef>
+        </p:style>
+      </p:cxnSp>
+      <p:cxnSp>
+        <p:nvCxnSpPr>
+          <p:cNvPr id="8" name="Straight Connector 7">
+            <a:extLst>
+              <a:ext uri="{FF2B5EF4-FFF2-40B4-BE49-F238E27FC236}">
+                <a16:creationId xmlns:a16="http://schemas.microsoft.com/office/drawing/2014/main" id="{C0A4E7C5-8B8C-F7CD-2C00-2E9152EFB45E}"/>
+              </a:ext>
+            </a:extLst>
+          </p:cNvPr>
+          <p:cNvCxnSpPr>
+            <a:cxnSpLocks/>
+          </p:cNvCxnSpPr>
+          <p:nvPr/>
+        </p:nvCxnSpPr>
+        <p:spPr>
+          <a:xfrm flipV="1">
+            <a:off x="1485903" y="1781175"/>
+            <a:ext cx="3686172" cy="3"/>
+          </a:xfrm>
+          <a:prstGeom prst="line">
+            <a:avLst/>
+          </a:prstGeom>
+          <a:ln w="57150">
+            <a:solidFill>
+              <a:srgbClr val="FF0000"/>
+            </a:solidFill>
+          </a:ln>
+        </p:spPr>
+        <p:style>
+          <a:lnRef idx="1">
+            <a:schemeClr val="accent1"/>
+          </a:lnRef>
+          <a:fillRef idx="0">
+            <a:schemeClr val="accent1"/>
+          </a:fillRef>
+          <a:effectRef idx="0">
+            <a:schemeClr val="accent1"/>
+          </a:effectRef>
+          <a:fontRef idx="minor">
+            <a:schemeClr val="tx1"/>
+          </a:fontRef>
+        </p:style>
+      </p:cxnSp>
+      <p:cxnSp>
+        <p:nvCxnSpPr>
+          <p:cNvPr id="12" name="Straight Connector 11">
+            <a:extLst>
+              <a:ext uri="{FF2B5EF4-FFF2-40B4-BE49-F238E27FC236}">
+                <a16:creationId xmlns:a16="http://schemas.microsoft.com/office/drawing/2014/main" id="{E2A0494C-C64B-2D33-BA33-903B43042E49}"/>
+              </a:ext>
+            </a:extLst>
+          </p:cNvPr>
+          <p:cNvCxnSpPr>
+            <a:cxnSpLocks/>
+          </p:cNvCxnSpPr>
+          <p:nvPr/>
+        </p:nvCxnSpPr>
+        <p:spPr>
+          <a:xfrm flipV="1">
+            <a:off x="10477500" y="1743072"/>
+            <a:ext cx="0" cy="3876675"/>
+          </a:xfrm>
+          <a:prstGeom prst="line">
+            <a:avLst/>
+          </a:prstGeom>
+          <a:ln w="57150">
+            <a:solidFill>
+              <a:srgbClr val="FF0000"/>
+            </a:solidFill>
+          </a:ln>
+        </p:spPr>
+        <p:style>
+          <a:lnRef idx="1">
+            <a:schemeClr val="accent1"/>
+          </a:lnRef>
+          <a:fillRef idx="0">
+            <a:schemeClr val="accent1"/>
+          </a:fillRef>
+          <a:effectRef idx="0">
+            <a:schemeClr val="accent1"/>
+          </a:effectRef>
+          <a:fontRef idx="minor">
+            <a:schemeClr val="tx1"/>
+          </a:fontRef>
+        </p:style>
+      </p:cxnSp>
+      <p:cxnSp>
+        <p:nvCxnSpPr>
+          <p:cNvPr id="13" name="Straight Connector 12">
+            <a:extLst>
+              <a:ext uri="{FF2B5EF4-FFF2-40B4-BE49-F238E27FC236}">
+                <a16:creationId xmlns:a16="http://schemas.microsoft.com/office/drawing/2014/main" id="{7D344C63-694C-55FE-E762-BF7E372B63BF}"/>
+              </a:ext>
+            </a:extLst>
+          </p:cNvPr>
+          <p:cNvCxnSpPr>
+            <a:cxnSpLocks/>
+          </p:cNvCxnSpPr>
+          <p:nvPr/>
+        </p:nvCxnSpPr>
+        <p:spPr>
+          <a:xfrm flipV="1">
+            <a:off x="6791328" y="1743072"/>
+            <a:ext cx="3686172" cy="3"/>
+          </a:xfrm>
+          <a:prstGeom prst="line">
+            <a:avLst/>
+          </a:prstGeom>
+          <a:ln w="57150">
+            <a:solidFill>
+              <a:srgbClr val="FF0000"/>
+            </a:solidFill>
+          </a:ln>
+        </p:spPr>
+        <p:style>
+          <a:lnRef idx="1">
+            <a:schemeClr val="accent1"/>
+          </a:lnRef>
+          <a:fillRef idx="0">
+            <a:schemeClr val="accent1"/>
+          </a:fillRef>
+          <a:effectRef idx="0">
+            <a:schemeClr val="accent1"/>
+          </a:effectRef>
+          <a:fontRef idx="minor">
+            <a:schemeClr val="tx1"/>
+          </a:fontRef>
+        </p:style>
+      </p:cxnSp>
+      <p:sp>
+        <p:nvSpPr>
+          <p:cNvPr id="15" name="TextBox 14">
+            <a:extLst>
+              <a:ext uri="{FF2B5EF4-FFF2-40B4-BE49-F238E27FC236}">
+                <a16:creationId xmlns:a16="http://schemas.microsoft.com/office/drawing/2014/main" id="{559EE73B-AF9A-22B8-ECDD-89D2C56E5A73}"/>
+              </a:ext>
+            </a:extLst>
+          </p:cNvPr>
+          <p:cNvSpPr txBox="1"/>
+          <p:nvPr/>
+        </p:nvSpPr>
+        <p:spPr>
+          <a:xfrm>
+            <a:off x="9525" y="6403059"/>
+            <a:ext cx="6267450" cy="461665"/>
+          </a:xfrm>
+          <a:prstGeom prst="rect">
+            <a:avLst/>
+          </a:prstGeom>
+          <a:noFill/>
+        </p:spPr>
+        <p:txBody>
+          <a:bodyPr wrap="square">
+            <a:spAutoFit/>
+          </a:bodyPr>
+          <a:lstStyle/>
+          <a:p>
+            <a:pPr algn="justLow"/>
+            <a:r>
+              <a:rPr lang="en-US" sz="1200" dirty="0" err="1">
+                <a:latin typeface="Times New Roman" panose="02020603050405020304" pitchFamily="18" charset="0"/>
+                <a:cs typeface="Times New Roman" panose="02020603050405020304" pitchFamily="18" charset="0"/>
+              </a:rPr>
+              <a:t>Godeke</a:t>
+            </a:r>
+            <a:r>
+              <a:rPr lang="en-US" sz="1200" dirty="0">
+                <a:latin typeface="Times New Roman" panose="02020603050405020304" pitchFamily="18" charset="0"/>
+                <a:cs typeface="Times New Roman" panose="02020603050405020304" pitchFamily="18" charset="0"/>
+              </a:rPr>
+              <a:t>, A. (2006). A review of the properties of Nb3Sn and their variation with A15 composition, morphology and strain state. Superconductor Science and Technology, 19(8), R68.</a:t>
+            </a:r>
+          </a:p>
+        </p:txBody>
+      </p:sp>
+      <p:cxnSp>
+        <p:nvCxnSpPr>
+          <p:cNvPr id="16" name="Straight Connector 15">
+            <a:extLst>
+              <a:ext uri="{FF2B5EF4-FFF2-40B4-BE49-F238E27FC236}">
+                <a16:creationId xmlns:a16="http://schemas.microsoft.com/office/drawing/2014/main" id="{B7859230-00DD-FC80-BB59-E90C33830A19}"/>
+              </a:ext>
+            </a:extLst>
+          </p:cNvPr>
+          <p:cNvCxnSpPr>
+            <a:cxnSpLocks/>
+          </p:cNvCxnSpPr>
+          <p:nvPr/>
+        </p:nvCxnSpPr>
+        <p:spPr>
+          <a:xfrm flipV="1">
+            <a:off x="4209281" y="2419350"/>
+            <a:ext cx="0" cy="3238500"/>
+          </a:xfrm>
+          <a:prstGeom prst="line">
+            <a:avLst/>
+          </a:prstGeom>
+          <a:ln w="57150">
+            <a:solidFill>
+              <a:srgbClr val="FF0000"/>
+            </a:solidFill>
+          </a:ln>
+        </p:spPr>
+        <p:style>
+          <a:lnRef idx="1">
+            <a:schemeClr val="accent1"/>
+          </a:lnRef>
+          <a:fillRef idx="0">
+            <a:schemeClr val="accent1"/>
+          </a:fillRef>
+          <a:effectRef idx="0">
+            <a:schemeClr val="accent1"/>
+          </a:effectRef>
+          <a:fontRef idx="minor">
+            <a:schemeClr val="tx1"/>
+          </a:fontRef>
+        </p:style>
+      </p:cxnSp>
+      <p:cxnSp>
+        <p:nvCxnSpPr>
+          <p:cNvPr id="17" name="Straight Connector 16">
+            <a:extLst>
+              <a:ext uri="{FF2B5EF4-FFF2-40B4-BE49-F238E27FC236}">
+                <a16:creationId xmlns:a16="http://schemas.microsoft.com/office/drawing/2014/main" id="{051C25C6-F725-82A6-ACFC-CD0AF375ECEB}"/>
+              </a:ext>
+            </a:extLst>
+          </p:cNvPr>
+          <p:cNvCxnSpPr>
+            <a:cxnSpLocks/>
+          </p:cNvCxnSpPr>
+          <p:nvPr/>
+        </p:nvCxnSpPr>
+        <p:spPr>
+          <a:xfrm>
+            <a:off x="1485903" y="2419350"/>
+            <a:ext cx="2723378" cy="0"/>
+          </a:xfrm>
+          <a:prstGeom prst="line">
+            <a:avLst/>
+          </a:prstGeom>
+          <a:ln w="57150">
+            <a:solidFill>
+              <a:srgbClr val="FF0000"/>
+            </a:solidFill>
+          </a:ln>
+        </p:spPr>
+        <p:style>
+          <a:lnRef idx="1">
+            <a:schemeClr val="accent1"/>
+          </a:lnRef>
+          <a:fillRef idx="0">
+            <a:schemeClr val="accent1"/>
+          </a:fillRef>
+          <a:effectRef idx="0">
+            <a:schemeClr val="accent1"/>
+          </a:effectRef>
+          <a:fontRef idx="minor">
+            <a:schemeClr val="tx1"/>
+          </a:fontRef>
+        </p:style>
+      </p:cxnSp>
     </p:spTree>
     <p:extLst>
       <p:ext uri="{BB962C8B-B14F-4D97-AF65-F5344CB8AC3E}">
@@ -13476,7 +14708,7 @@
 </p:sld>
 </file>
 
-<file path=ppt/slides/slide7.xml><?xml version="1.0" encoding="utf-8"?>
+<file path=ppt/slides/slide9.xml><?xml version="1.0" encoding="utf-8"?>
 <p:sld xmlns:a="http://schemas.openxmlformats.org/drawingml/2006/main" xmlns:r="http://schemas.openxmlformats.org/officeDocument/2006/relationships" xmlns:p="http://schemas.openxmlformats.org/presentationml/2006/main">
   <p:cSld>
     <p:spTree>
@@ -13519,7 +14751,7 @@
                 <a:latin typeface="Times New Roman" panose="02020603050405020304" pitchFamily="18" charset="0"/>
                 <a:cs typeface="Times New Roman" panose="02020603050405020304" pitchFamily="18" charset="0"/>
               </a:rPr>
-              <a:t>7</a:t>
+              <a:t>9</a:t>
             </a:fld>
             <a:endParaRPr lang="en-US" dirty="0">
               <a:latin typeface="Times New Roman" panose="02020603050405020304" pitchFamily="18" charset="0"/>
@@ -13554,6 +14786,20 @@
           <a:bodyPr/>
           <a:lstStyle/>
           <a:p>
+            <a:r>
+              <a:rPr lang="en-US" dirty="0">
+                <a:latin typeface="Times New Roman" panose="02020603050405020304" pitchFamily="18" charset="0"/>
+                <a:cs typeface="Times New Roman" panose="02020603050405020304" pitchFamily="18" charset="0"/>
+              </a:rPr>
+              <a:t>J</a:t>
+            </a:r>
+            <a:r>
+              <a:rPr lang="en-US" baseline="-25000" dirty="0">
+                <a:latin typeface="Times New Roman" panose="02020603050405020304" pitchFamily="18" charset="0"/>
+                <a:cs typeface="Times New Roman" panose="02020603050405020304" pitchFamily="18" charset="0"/>
+              </a:rPr>
+              <a:t>c</a:t>
+            </a:r>
             <a:endParaRPr lang="en-US" dirty="0">
               <a:latin typeface="Times New Roman" panose="02020603050405020304" pitchFamily="18" charset="0"/>
               <a:cs typeface="Times New Roman" panose="02020603050405020304" pitchFamily="18" charset="0"/>
@@ -13561,6 +14807,78 @@
           </a:p>
         </p:txBody>
       </p:sp>
+      <p:pic>
+        <p:nvPicPr>
+          <p:cNvPr id="4" name="Picture 3">
+            <a:extLst>
+              <a:ext uri="{FF2B5EF4-FFF2-40B4-BE49-F238E27FC236}">
+                <a16:creationId xmlns:a16="http://schemas.microsoft.com/office/drawing/2014/main" id="{2EC7D836-07C8-523F-398B-3E01896586F4}"/>
+              </a:ext>
+            </a:extLst>
+          </p:cNvPr>
+          <p:cNvPicPr>
+            <a:picLocks noChangeAspect="1"/>
+          </p:cNvPicPr>
+          <p:nvPr/>
+        </p:nvPicPr>
+        <p:blipFill>
+          <a:blip r:embed="rId3">
+            <a:extLst>
+              <a:ext uri="{28A0092B-C50C-407E-A947-70E740481C1C}">
+                <a14:useLocalDpi xmlns:a14="http://schemas.microsoft.com/office/drawing/2010/main" val="0"/>
+              </a:ext>
+            </a:extLst>
+          </a:blip>
+          <a:stretch>
+            <a:fillRect/>
+          </a:stretch>
+        </p:blipFill>
+        <p:spPr>
+          <a:xfrm>
+            <a:off x="2560597" y="1072054"/>
+            <a:ext cx="7070806" cy="5648066"/>
+          </a:xfrm>
+          <a:prstGeom prst="rect">
+            <a:avLst/>
+          </a:prstGeom>
+        </p:spPr>
+      </p:pic>
+      <p:pic>
+        <p:nvPicPr>
+          <p:cNvPr id="7" name="Picture 6">
+            <a:extLst>
+              <a:ext uri="{FF2B5EF4-FFF2-40B4-BE49-F238E27FC236}">
+                <a16:creationId xmlns:a16="http://schemas.microsoft.com/office/drawing/2014/main" id="{223D08F1-01D3-07CF-3F95-C4C0D7E1C545}"/>
+              </a:ext>
+            </a:extLst>
+          </p:cNvPr>
+          <p:cNvPicPr>
+            <a:picLocks noChangeAspect="1"/>
+          </p:cNvPicPr>
+          <p:nvPr/>
+        </p:nvPicPr>
+        <p:blipFill>
+          <a:blip r:embed="rId4" cstate="print">
+            <a:extLst>
+              <a:ext uri="{28A0092B-C50C-407E-A947-70E740481C1C}">
+                <a14:useLocalDpi xmlns:a14="http://schemas.microsoft.com/office/drawing/2010/main" val="0"/>
+              </a:ext>
+            </a:extLst>
+          </a:blip>
+          <a:stretch>
+            <a:fillRect/>
+          </a:stretch>
+        </p:blipFill>
+        <p:spPr>
+          <a:xfrm>
+            <a:off x="6096000" y="2285537"/>
+            <a:ext cx="3371851" cy="2697481"/>
+          </a:xfrm>
+          <a:prstGeom prst="rect">
+            <a:avLst/>
+          </a:prstGeom>
+        </p:spPr>
+      </p:pic>
     </p:spTree>
     <p:extLst>
       <p:ext uri="{BB962C8B-B14F-4D97-AF65-F5344CB8AC3E}">
